--- a/doc/20230711_ImmoEliza_DataAnalysis_pres.pptx
+++ b/doc/20230711_ImmoEliza_DataAnalysis_pres.pptx
@@ -130,6 +130,928 @@
 <file path=ppt/changesInfos/changesInfo1.xml><?xml version="1.0" encoding="utf-8"?>
 <pc:chgInfo xmlns:a="http://schemas.openxmlformats.org/drawingml/2006/main" xmlns:r="http://schemas.openxmlformats.org/officeDocument/2006/relationships" xmlns:ac="http://schemas.microsoft.com/office/drawing/2013/main/command" xmlns:pc="http://schemas.microsoft.com/office/powerpoint/2013/main/command">
   <pc:docChgLst>
+    <pc:chgData name="Vitaly Shalem" userId="6204743627004406" providerId="LiveId" clId="{2C9A0960-E19D-45C1-BDBD-503DAEA14992}"/>
+    <pc:docChg chg="undo custSel addSld delSld modSld">
+      <pc:chgData name="Vitaly Shalem" userId="6204743627004406" providerId="LiveId" clId="{2C9A0960-E19D-45C1-BDBD-503DAEA14992}" dt="2023-06-22T12:05:45.707" v="83"/>
+      <pc:docMkLst>
+        <pc:docMk/>
+      </pc:docMkLst>
+      <pc:sldChg chg="addSp delSp add del setBg delDesignElem">
+        <pc:chgData name="Vitaly Shalem" userId="6204743627004406" providerId="LiveId" clId="{2C9A0960-E19D-45C1-BDBD-503DAEA14992}" dt="2023-06-22T12:04:33.257" v="75"/>
+        <pc:sldMkLst>
+          <pc:docMk/>
+          <pc:sldMk cId="39662466" sldId="257"/>
+        </pc:sldMkLst>
+        <pc:spChg chg="add del">
+          <ac:chgData name="Vitaly Shalem" userId="6204743627004406" providerId="LiveId" clId="{2C9A0960-E19D-45C1-BDBD-503DAEA14992}" dt="2023-06-22T12:04:33.257" v="75"/>
+          <ac:spMkLst>
+            <pc:docMk/>
+            <pc:sldMk cId="39662466" sldId="257"/>
+            <ac:spMk id="9" creationId="{86806086-A782-4311-A63B-1A68574D8067}"/>
+          </ac:spMkLst>
+        </pc:spChg>
+        <pc:spChg chg="add del">
+          <ac:chgData name="Vitaly Shalem" userId="6204743627004406" providerId="LiveId" clId="{2C9A0960-E19D-45C1-BDBD-503DAEA14992}" dt="2023-06-22T12:04:33.257" v="75"/>
+          <ac:spMkLst>
+            <pc:docMk/>
+            <pc:sldMk cId="39662466" sldId="257"/>
+            <ac:spMk id="12" creationId="{854ECEBE-9353-406C-9313-02A517A310EF}"/>
+          </ac:spMkLst>
+        </pc:spChg>
+        <pc:spChg chg="add del">
+          <ac:chgData name="Vitaly Shalem" userId="6204743627004406" providerId="LiveId" clId="{2C9A0960-E19D-45C1-BDBD-503DAEA14992}" dt="2023-06-22T12:04:33.257" v="75"/>
+          <ac:spMkLst>
+            <pc:docMk/>
+            <pc:sldMk cId="39662466" sldId="257"/>
+            <ac:spMk id="14" creationId="{71A74C97-ECC4-4C3A-988A-A72C1F8BBAC8}"/>
+          </ac:spMkLst>
+        </pc:spChg>
+        <pc:spChg chg="add del">
+          <ac:chgData name="Vitaly Shalem" userId="6204743627004406" providerId="LiveId" clId="{2C9A0960-E19D-45C1-BDBD-503DAEA14992}" dt="2023-06-22T12:04:33.257" v="75"/>
+          <ac:spMkLst>
+            <pc:docMk/>
+            <pc:sldMk cId="39662466" sldId="257"/>
+            <ac:spMk id="16" creationId="{5FB5F3BA-58DF-40DA-AE44-974A00E0619C}"/>
+          </ac:spMkLst>
+        </pc:spChg>
+        <pc:spChg chg="add del">
+          <ac:chgData name="Vitaly Shalem" userId="6204743627004406" providerId="LiveId" clId="{2C9A0960-E19D-45C1-BDBD-503DAEA14992}" dt="2023-06-22T12:04:33.257" v="75"/>
+          <ac:spMkLst>
+            <pc:docMk/>
+            <pc:sldMk cId="39662466" sldId="257"/>
+            <ac:spMk id="18" creationId="{DE1994AC-22D1-4B48-9EDA-BE373E704567}"/>
+          </ac:spMkLst>
+        </pc:spChg>
+      </pc:sldChg>
+      <pc:sldChg chg="addSp delSp mod setBg">
+        <pc:chgData name="Vitaly Shalem" userId="6204743627004406" providerId="LiveId" clId="{2C9A0960-E19D-45C1-BDBD-503DAEA14992}" dt="2023-06-22T12:05:45.707" v="83"/>
+        <pc:sldMkLst>
+          <pc:docMk/>
+          <pc:sldMk cId="1937330932" sldId="272"/>
+        </pc:sldMkLst>
+        <pc:picChg chg="add del">
+          <ac:chgData name="Vitaly Shalem" userId="6204743627004406" providerId="LiveId" clId="{2C9A0960-E19D-45C1-BDBD-503DAEA14992}" dt="2023-06-22T12:05:39.124" v="81" actId="21"/>
+          <ac:picMkLst>
+            <pc:docMk/>
+            <pc:sldMk cId="1937330932" sldId="272"/>
+            <ac:picMk id="2" creationId="{445BE397-386C-DED5-C383-4EA4AED65638}"/>
+          </ac:picMkLst>
+        </pc:picChg>
+      </pc:sldChg>
+      <pc:sldChg chg="addSp delSp modSp mod setBg">
+        <pc:chgData name="Vitaly Shalem" userId="6204743627004406" providerId="LiveId" clId="{2C9A0960-E19D-45C1-BDBD-503DAEA14992}" dt="2023-06-22T12:02:49.889" v="60"/>
+        <pc:sldMkLst>
+          <pc:docMk/>
+          <pc:sldMk cId="3256684687" sldId="273"/>
+        </pc:sldMkLst>
+        <pc:spChg chg="add mod">
+          <ac:chgData name="Vitaly Shalem" userId="6204743627004406" providerId="LiveId" clId="{2C9A0960-E19D-45C1-BDBD-503DAEA14992}" dt="2023-06-21T21:09:03.459" v="48"/>
+          <ac:spMkLst>
+            <pc:docMk/>
+            <pc:sldMk cId="3256684687" sldId="273"/>
+            <ac:spMk id="5" creationId="{D520E1D3-B545-988B-7D09-15C43BB0D390}"/>
+          </ac:spMkLst>
+        </pc:spChg>
+        <pc:picChg chg="add mod">
+          <ac:chgData name="Vitaly Shalem" userId="6204743627004406" providerId="LiveId" clId="{2C9A0960-E19D-45C1-BDBD-503DAEA14992}" dt="2023-06-21T21:09:03.459" v="48"/>
+          <ac:picMkLst>
+            <pc:docMk/>
+            <pc:sldMk cId="3256684687" sldId="273"/>
+            <ac:picMk id="4" creationId="{0BE3F029-F23F-EE00-D530-7FF45321E172}"/>
+          </ac:picMkLst>
+        </pc:picChg>
+        <pc:picChg chg="add del">
+          <ac:chgData name="Vitaly Shalem" userId="6204743627004406" providerId="LiveId" clId="{2C9A0960-E19D-45C1-BDBD-503DAEA14992}" dt="2023-06-22T12:02:44.038" v="58" actId="21"/>
+          <ac:picMkLst>
+            <pc:docMk/>
+            <pc:sldMk cId="3256684687" sldId="273"/>
+            <ac:picMk id="6" creationId="{35C25214-9F63-3090-E208-CF988769A118}"/>
+          </ac:picMkLst>
+        </pc:picChg>
+      </pc:sldChg>
+      <pc:sldChg chg="addSp delSp mod setBg">
+        <pc:chgData name="Vitaly Shalem" userId="6204743627004406" providerId="LiveId" clId="{2C9A0960-E19D-45C1-BDBD-503DAEA14992}" dt="2023-06-22T11:59:58.386" v="52"/>
+        <pc:sldMkLst>
+          <pc:docMk/>
+          <pc:sldMk cId="3194443322" sldId="274"/>
+        </pc:sldMkLst>
+        <pc:picChg chg="add del">
+          <ac:chgData name="Vitaly Shalem" userId="6204743627004406" providerId="LiveId" clId="{2C9A0960-E19D-45C1-BDBD-503DAEA14992}" dt="2023-06-22T11:59:44.289" v="50" actId="21"/>
+          <ac:picMkLst>
+            <pc:docMk/>
+            <pc:sldMk cId="3194443322" sldId="274"/>
+            <ac:picMk id="3" creationId="{49708ABC-3153-EEF0-2230-915FFEF71C85}"/>
+          </ac:picMkLst>
+        </pc:picChg>
+      </pc:sldChg>
+      <pc:sldChg chg="addSp delSp mod setBg">
+        <pc:chgData name="Vitaly Shalem" userId="6204743627004406" providerId="LiveId" clId="{2C9A0960-E19D-45C1-BDBD-503DAEA14992}" dt="2023-06-22T12:04:56.061" v="79"/>
+        <pc:sldMkLst>
+          <pc:docMk/>
+          <pc:sldMk cId="1483936342" sldId="275"/>
+        </pc:sldMkLst>
+        <pc:picChg chg="add del">
+          <ac:chgData name="Vitaly Shalem" userId="6204743627004406" providerId="LiveId" clId="{2C9A0960-E19D-45C1-BDBD-503DAEA14992}" dt="2023-06-22T12:04:52.114" v="77" actId="21"/>
+          <ac:picMkLst>
+            <pc:docMk/>
+            <pc:sldMk cId="1483936342" sldId="275"/>
+            <ac:picMk id="2" creationId="{A50D04F4-5E60-8F50-B34A-386CB7EDCF00}"/>
+          </ac:picMkLst>
+        </pc:picChg>
+      </pc:sldChg>
+      <pc:sldChg chg="setBg">
+        <pc:chgData name="Vitaly Shalem" userId="6204743627004406" providerId="LiveId" clId="{2C9A0960-E19D-45C1-BDBD-503DAEA14992}" dt="2023-06-22T12:04:15.217" v="72"/>
+        <pc:sldMkLst>
+          <pc:docMk/>
+          <pc:sldMk cId="364462967" sldId="276"/>
+        </pc:sldMkLst>
+      </pc:sldChg>
+      <pc:sldChg chg="addSp delSp mod setBg">
+        <pc:chgData name="Vitaly Shalem" userId="6204743627004406" providerId="LiveId" clId="{2C9A0960-E19D-45C1-BDBD-503DAEA14992}" dt="2023-06-22T12:04:10.514" v="70"/>
+        <pc:sldMkLst>
+          <pc:docMk/>
+          <pc:sldMk cId="3751409535" sldId="277"/>
+        </pc:sldMkLst>
+        <pc:picChg chg="add del">
+          <ac:chgData name="Vitaly Shalem" userId="6204743627004406" providerId="LiveId" clId="{2C9A0960-E19D-45C1-BDBD-503DAEA14992}" dt="2023-06-22T12:03:27.496" v="62" actId="21"/>
+          <ac:picMkLst>
+            <pc:docMk/>
+            <pc:sldMk cId="3751409535" sldId="277"/>
+            <ac:picMk id="2" creationId="{958A2D91-D0AA-4FBE-3205-0CCC48EAAD71}"/>
+          </ac:picMkLst>
+        </pc:picChg>
+        <pc:picChg chg="add del">
+          <ac:chgData name="Vitaly Shalem" userId="6204743627004406" providerId="LiveId" clId="{2C9A0960-E19D-45C1-BDBD-503DAEA14992}" dt="2023-06-22T12:03:59.922" v="66" actId="21"/>
+          <ac:picMkLst>
+            <pc:docMk/>
+            <pc:sldMk cId="3751409535" sldId="277"/>
+            <ac:picMk id="4" creationId="{FF0FA6A2-9724-4C87-4AAE-AC8CF9708093}"/>
+          </ac:picMkLst>
+        </pc:picChg>
+      </pc:sldChg>
+      <pc:sldChg chg="addSp modSp mod">
+        <pc:chgData name="Vitaly Shalem" userId="6204743627004406" providerId="LiveId" clId="{2C9A0960-E19D-45C1-BDBD-503DAEA14992}" dt="2023-06-21T21:08:57.249" v="47" actId="571"/>
+        <pc:sldMkLst>
+          <pc:docMk/>
+          <pc:sldMk cId="209697400" sldId="278"/>
+        </pc:sldMkLst>
+        <pc:spChg chg="add mod">
+          <ac:chgData name="Vitaly Shalem" userId="6204743627004406" providerId="LiveId" clId="{2C9A0960-E19D-45C1-BDBD-503DAEA14992}" dt="2023-06-21T21:08:49.995" v="46" actId="20577"/>
+          <ac:spMkLst>
+            <pc:docMk/>
+            <pc:sldMk cId="209697400" sldId="278"/>
+            <ac:spMk id="3" creationId="{04BDC77F-0F43-16DE-7E8D-CB204EF27F08}"/>
+          </ac:spMkLst>
+        </pc:spChg>
+        <pc:spChg chg="add mod">
+          <ac:chgData name="Vitaly Shalem" userId="6204743627004406" providerId="LiveId" clId="{2C9A0960-E19D-45C1-BDBD-503DAEA14992}" dt="2023-06-21T21:08:57.249" v="47" actId="571"/>
+          <ac:spMkLst>
+            <pc:docMk/>
+            <pc:sldMk cId="209697400" sldId="278"/>
+            <ac:spMk id="5" creationId="{F1E1ED08-F2B6-6E04-43F2-5D305C0DD4D7}"/>
+          </ac:spMkLst>
+        </pc:spChg>
+        <pc:picChg chg="add mod">
+          <ac:chgData name="Vitaly Shalem" userId="6204743627004406" providerId="LiveId" clId="{2C9A0960-E19D-45C1-BDBD-503DAEA14992}" dt="2023-06-21T21:08:11.229" v="0"/>
+          <ac:picMkLst>
+            <pc:docMk/>
+            <pc:sldMk cId="209697400" sldId="278"/>
+            <ac:picMk id="2" creationId="{E358FFAC-1E1C-94EB-9E60-F5AF37416596}"/>
+          </ac:picMkLst>
+        </pc:picChg>
+        <pc:picChg chg="add mod">
+          <ac:chgData name="Vitaly Shalem" userId="6204743627004406" providerId="LiveId" clId="{2C9A0960-E19D-45C1-BDBD-503DAEA14992}" dt="2023-06-21T21:08:57.249" v="47" actId="571"/>
+          <ac:picMkLst>
+            <pc:docMk/>
+            <pc:sldMk cId="209697400" sldId="278"/>
+            <ac:picMk id="4" creationId="{5CFBF397-0336-7376-FB15-5B5863B9E683}"/>
+          </ac:picMkLst>
+        </pc:picChg>
+      </pc:sldChg>
+    </pc:docChg>
+  </pc:docChgLst>
+  <pc:docChgLst>
+    <pc:chgData name="Vitaly Shalem" userId="6204743627004406" providerId="LiveId" clId="{7A728C9E-955F-4798-8429-9FDAD378C401}"/>
+    <pc:docChg chg="undo custSel addSld delSld modSld sldOrd">
+      <pc:chgData name="Vitaly Shalem" userId="6204743627004406" providerId="LiveId" clId="{7A728C9E-955F-4798-8429-9FDAD378C401}" dt="2023-06-21T17:46:45.747" v="665"/>
+      <pc:docMkLst>
+        <pc:docMk/>
+      </pc:docMkLst>
+      <pc:sldChg chg="addSp delSp modSp del mod">
+        <pc:chgData name="Vitaly Shalem" userId="6204743627004406" providerId="LiveId" clId="{7A728C9E-955F-4798-8429-9FDAD378C401}" dt="2023-06-21T05:20:00.300" v="227" actId="47"/>
+        <pc:sldMkLst>
+          <pc:docMk/>
+          <pc:sldMk cId="1679882250" sldId="264"/>
+        </pc:sldMkLst>
+        <pc:spChg chg="add del mod">
+          <ac:chgData name="Vitaly Shalem" userId="6204743627004406" providerId="LiveId" clId="{7A728C9E-955F-4798-8429-9FDAD378C401}" dt="2023-06-21T05:17:26.375" v="212"/>
+          <ac:spMkLst>
+            <pc:docMk/>
+            <pc:sldMk cId="1679882250" sldId="264"/>
+            <ac:spMk id="2" creationId="{B171E85C-EBBA-2B41-D9B7-7CA35195FF25}"/>
+          </ac:spMkLst>
+        </pc:spChg>
+        <pc:spChg chg="del">
+          <ac:chgData name="Vitaly Shalem" userId="6204743627004406" providerId="LiveId" clId="{7A728C9E-955F-4798-8429-9FDAD378C401}" dt="2023-06-20T21:59:30.101" v="17" actId="478"/>
+          <ac:spMkLst>
+            <pc:docMk/>
+            <pc:sldMk cId="1679882250" sldId="264"/>
+            <ac:spMk id="2" creationId="{B95BE13C-FF3C-9B21-941E-6D89304D365F}"/>
+          </ac:spMkLst>
+        </pc:spChg>
+        <pc:spChg chg="add del mod">
+          <ac:chgData name="Vitaly Shalem" userId="6204743627004406" providerId="LiveId" clId="{7A728C9E-955F-4798-8429-9FDAD378C401}" dt="2023-06-21T05:17:26.375" v="212"/>
+          <ac:spMkLst>
+            <pc:docMk/>
+            <pc:sldMk cId="1679882250" sldId="264"/>
+            <ac:spMk id="3" creationId="{DFDFBB42-F555-629B-AD6F-EF3F02896FBB}"/>
+          </ac:spMkLst>
+        </pc:spChg>
+      </pc:sldChg>
+      <pc:sldChg chg="addSp delSp modSp mod modClrScheme chgLayout">
+        <pc:chgData name="Vitaly Shalem" userId="6204743627004406" providerId="LiveId" clId="{7A728C9E-955F-4798-8429-9FDAD378C401}" dt="2023-06-21T08:30:55.189" v="642" actId="478"/>
+        <pc:sldMkLst>
+          <pc:docMk/>
+          <pc:sldMk cId="1875466611" sldId="269"/>
+        </pc:sldMkLst>
+        <pc:spChg chg="del mod ord">
+          <ac:chgData name="Vitaly Shalem" userId="6204743627004406" providerId="LiveId" clId="{7A728C9E-955F-4798-8429-9FDAD378C401}" dt="2023-06-21T08:30:55.189" v="642" actId="478"/>
+          <ac:spMkLst>
+            <pc:docMk/>
+            <pc:sldMk cId="1875466611" sldId="269"/>
+            <ac:spMk id="2" creationId="{5BC68779-07CF-B47B-B478-CF25EEAC0C9D}"/>
+          </ac:spMkLst>
+        </pc:spChg>
+        <pc:spChg chg="add mod ord">
+          <ac:chgData name="Vitaly Shalem" userId="6204743627004406" providerId="LiveId" clId="{7A728C9E-955F-4798-8429-9FDAD378C401}" dt="2023-06-21T05:11:54.715" v="143" actId="14838"/>
+          <ac:spMkLst>
+            <pc:docMk/>
+            <pc:sldMk cId="1875466611" sldId="269"/>
+            <ac:spMk id="3" creationId="{0F27484B-8ADF-3396-8761-F261B1CB5820}"/>
+          </ac:spMkLst>
+        </pc:spChg>
+        <pc:spChg chg="add mod ord">
+          <ac:chgData name="Vitaly Shalem" userId="6204743627004406" providerId="LiveId" clId="{7A728C9E-955F-4798-8429-9FDAD378C401}" dt="2023-06-21T05:12:28.740" v="150" actId="20577"/>
+          <ac:spMkLst>
+            <pc:docMk/>
+            <pc:sldMk cId="1875466611" sldId="269"/>
+            <ac:spMk id="4" creationId="{64B29F97-AFE5-29C9-EC6D-39D6F340C41E}"/>
+          </ac:spMkLst>
+        </pc:spChg>
+      </pc:sldChg>
+      <pc:sldChg chg="add del">
+        <pc:chgData name="Vitaly Shalem" userId="6204743627004406" providerId="LiveId" clId="{7A728C9E-955F-4798-8429-9FDAD378C401}" dt="2023-06-21T05:18:57.573" v="216"/>
+        <pc:sldMkLst>
+          <pc:docMk/>
+          <pc:sldMk cId="857135902" sldId="270"/>
+        </pc:sldMkLst>
+      </pc:sldChg>
+      <pc:sldChg chg="delSp modSp del mod">
+        <pc:chgData name="Vitaly Shalem" userId="6204743627004406" providerId="LiveId" clId="{7A728C9E-955F-4798-8429-9FDAD378C401}" dt="2023-06-21T05:20:00.300" v="227" actId="47"/>
+        <pc:sldMkLst>
+          <pc:docMk/>
+          <pc:sldMk cId="1977657001" sldId="271"/>
+        </pc:sldMkLst>
+        <pc:spChg chg="del mod">
+          <ac:chgData name="Vitaly Shalem" userId="6204743627004406" providerId="LiveId" clId="{7A728C9E-955F-4798-8429-9FDAD378C401}" dt="2023-06-20T21:59:26.563" v="16" actId="478"/>
+          <ac:spMkLst>
+            <pc:docMk/>
+            <pc:sldMk cId="1977657001" sldId="271"/>
+            <ac:spMk id="2" creationId="{6F26AB80-D56D-6821-670C-2AB803B1A24E}"/>
+          </ac:spMkLst>
+        </pc:spChg>
+      </pc:sldChg>
+      <pc:sldChg chg="addSp delSp modSp mod modClrScheme chgLayout">
+        <pc:chgData name="Vitaly Shalem" userId="6204743627004406" providerId="LiveId" clId="{7A728C9E-955F-4798-8429-9FDAD378C401}" dt="2023-06-21T08:31:11.591" v="645" actId="478"/>
+        <pc:sldMkLst>
+          <pc:docMk/>
+          <pc:sldMk cId="1937330932" sldId="272"/>
+        </pc:sldMkLst>
+        <pc:spChg chg="del mod ord">
+          <ac:chgData name="Vitaly Shalem" userId="6204743627004406" providerId="LiveId" clId="{7A728C9E-955F-4798-8429-9FDAD378C401}" dt="2023-06-21T08:31:11.591" v="645" actId="478"/>
+          <ac:spMkLst>
+            <pc:docMk/>
+            <pc:sldMk cId="1937330932" sldId="272"/>
+            <ac:spMk id="2" creationId="{8A5ED7C9-311D-CE7F-9F66-44B746D0742C}"/>
+          </ac:spMkLst>
+        </pc:spChg>
+        <pc:spChg chg="add mod ord">
+          <ac:chgData name="Vitaly Shalem" userId="6204743627004406" providerId="LiveId" clId="{7A728C9E-955F-4798-8429-9FDAD378C401}" dt="2023-06-21T08:17:52.118" v="534" actId="14100"/>
+          <ac:spMkLst>
+            <pc:docMk/>
+            <pc:sldMk cId="1937330932" sldId="272"/>
+            <ac:spMk id="3" creationId="{DB08EF66-B8E9-4612-5318-2D1A98BD83C6}"/>
+          </ac:spMkLst>
+        </pc:spChg>
+        <pc:spChg chg="add mod ord">
+          <ac:chgData name="Vitaly Shalem" userId="6204743627004406" providerId="LiveId" clId="{7A728C9E-955F-4798-8429-9FDAD378C401}" dt="2023-06-21T08:17:38.741" v="532" actId="1076"/>
+          <ac:spMkLst>
+            <pc:docMk/>
+            <pc:sldMk cId="1937330932" sldId="272"/>
+            <ac:spMk id="4" creationId="{04CECF47-8B73-4C76-D44A-645CAC4DCC65}"/>
+          </ac:spMkLst>
+        </pc:spChg>
+        <pc:spChg chg="add mod">
+          <ac:chgData name="Vitaly Shalem" userId="6204743627004406" providerId="LiveId" clId="{7A728C9E-955F-4798-8429-9FDAD378C401}" dt="2023-06-21T05:53:25.468" v="531" actId="20577"/>
+          <ac:spMkLst>
+            <pc:docMk/>
+            <pc:sldMk cId="1937330932" sldId="272"/>
+            <ac:spMk id="5" creationId="{80A2495F-ABC0-14E8-BD8A-28C054D22EFC}"/>
+          </ac:spMkLst>
+        </pc:spChg>
+      </pc:sldChg>
+      <pc:sldChg chg="addSp delSp modSp mod">
+        <pc:chgData name="Vitaly Shalem" userId="6204743627004406" providerId="LiveId" clId="{7A728C9E-955F-4798-8429-9FDAD378C401}" dt="2023-06-21T05:48:52.711" v="512" actId="1076"/>
+        <pc:sldMkLst>
+          <pc:docMk/>
+          <pc:sldMk cId="3256684687" sldId="273"/>
+        </pc:sldMkLst>
+        <pc:spChg chg="add mod">
+          <ac:chgData name="Vitaly Shalem" userId="6204743627004406" providerId="LiveId" clId="{7A728C9E-955F-4798-8429-9FDAD378C401}" dt="2023-06-21T05:48:52.711" v="512" actId="1076"/>
+          <ac:spMkLst>
+            <pc:docMk/>
+            <pc:sldMk cId="3256684687" sldId="273"/>
+            <ac:spMk id="2" creationId="{D1004AED-FDDC-8330-232B-9B9DC8DBCF05}"/>
+          </ac:spMkLst>
+        </pc:spChg>
+        <pc:spChg chg="del">
+          <ac:chgData name="Vitaly Shalem" userId="6204743627004406" providerId="LiveId" clId="{7A728C9E-955F-4798-8429-9FDAD378C401}" dt="2023-06-20T22:00:29.602" v="27" actId="478"/>
+          <ac:spMkLst>
+            <pc:docMk/>
+            <pc:sldMk cId="3256684687" sldId="273"/>
+            <ac:spMk id="2" creationId="{EF395A16-4556-9053-D184-2222099012C8}"/>
+          </ac:spMkLst>
+        </pc:spChg>
+        <pc:spChg chg="add mod">
+          <ac:chgData name="Vitaly Shalem" userId="6204743627004406" providerId="LiveId" clId="{7A728C9E-955F-4798-8429-9FDAD378C401}" dt="2023-06-21T05:41:03.515" v="498"/>
+          <ac:spMkLst>
+            <pc:docMk/>
+            <pc:sldMk cId="3256684687" sldId="273"/>
+            <ac:spMk id="3" creationId="{E7587115-9F86-9211-07CD-635B6348826A}"/>
+          </ac:spMkLst>
+        </pc:spChg>
+      </pc:sldChg>
+      <pc:sldChg chg="addSp delSp modSp mod ord modClrScheme chgLayout">
+        <pc:chgData name="Vitaly Shalem" userId="6204743627004406" providerId="LiveId" clId="{7A728C9E-955F-4798-8429-9FDAD378C401}" dt="2023-06-21T17:46:45.747" v="665"/>
+        <pc:sldMkLst>
+          <pc:docMk/>
+          <pc:sldMk cId="3194443322" sldId="274"/>
+        </pc:sldMkLst>
+        <pc:spChg chg="add mod">
+          <ac:chgData name="Vitaly Shalem" userId="6204743627004406" providerId="LiveId" clId="{7A728C9E-955F-4798-8429-9FDAD378C401}" dt="2023-06-21T08:31:45.708" v="647"/>
+          <ac:spMkLst>
+            <pc:docMk/>
+            <pc:sldMk cId="3194443322" sldId="274"/>
+            <ac:spMk id="2" creationId="{2F876C87-5E1D-9F60-C85A-ED3DAE21A2B4}"/>
+          </ac:spMkLst>
+        </pc:spChg>
+        <pc:spChg chg="add del mod ord">
+          <ac:chgData name="Vitaly Shalem" userId="6204743627004406" providerId="LiveId" clId="{7A728C9E-955F-4798-8429-9FDAD378C401}" dt="2023-06-21T05:26:27.584" v="282" actId="478"/>
+          <ac:spMkLst>
+            <pc:docMk/>
+            <pc:sldMk cId="3194443322" sldId="274"/>
+            <ac:spMk id="2" creationId="{CE37A792-D33B-0076-A322-63081E6CDAE3}"/>
+          </ac:spMkLst>
+        </pc:spChg>
+        <pc:spChg chg="del mod">
+          <ac:chgData name="Vitaly Shalem" userId="6204743627004406" providerId="LiveId" clId="{7A728C9E-955F-4798-8429-9FDAD378C401}" dt="2023-06-20T21:59:46.768" v="19" actId="478"/>
+          <ac:spMkLst>
+            <pc:docMk/>
+            <pc:sldMk cId="3194443322" sldId="274"/>
+            <ac:spMk id="2" creationId="{E861982A-047C-D98D-F558-CDCB487EB355}"/>
+          </ac:spMkLst>
+        </pc:spChg>
+        <pc:spChg chg="add del mod">
+          <ac:chgData name="Vitaly Shalem" userId="6204743627004406" providerId="LiveId" clId="{7A728C9E-955F-4798-8429-9FDAD378C401}" dt="2023-06-21T08:21:42.481" v="634" actId="478"/>
+          <ac:spMkLst>
+            <pc:docMk/>
+            <pc:sldMk cId="3194443322" sldId="274"/>
+            <ac:spMk id="3" creationId="{4DB134D1-0B16-6CAF-1695-7F767DC9DD3F}"/>
+          </ac:spMkLst>
+        </pc:spChg>
+        <pc:spChg chg="add del mod ord">
+          <ac:chgData name="Vitaly Shalem" userId="6204743627004406" providerId="LiveId" clId="{7A728C9E-955F-4798-8429-9FDAD378C401}" dt="2023-06-21T05:41:17.836" v="499" actId="478"/>
+          <ac:spMkLst>
+            <pc:docMk/>
+            <pc:sldMk cId="3194443322" sldId="274"/>
+            <ac:spMk id="3" creationId="{FAE14911-3201-4E9E-1D77-BEBA7F6B7E83}"/>
+          </ac:spMkLst>
+        </pc:spChg>
+        <pc:spChg chg="add del mod ord">
+          <ac:chgData name="Vitaly Shalem" userId="6204743627004406" providerId="LiveId" clId="{7A728C9E-955F-4798-8429-9FDAD378C401}" dt="2023-06-21T05:26:57.872" v="298" actId="21"/>
+          <ac:spMkLst>
+            <pc:docMk/>
+            <pc:sldMk cId="3194443322" sldId="274"/>
+            <ac:spMk id="4" creationId="{BD27A6A2-C53A-5F2A-A1BA-5B7B89199927}"/>
+          </ac:spMkLst>
+        </pc:spChg>
+        <pc:spChg chg="add del mod">
+          <ac:chgData name="Vitaly Shalem" userId="6204743627004406" providerId="LiveId" clId="{7A728C9E-955F-4798-8429-9FDAD378C401}" dt="2023-06-21T08:21:40.648" v="633" actId="478"/>
+          <ac:spMkLst>
+            <pc:docMk/>
+            <pc:sldMk cId="3194443322" sldId="274"/>
+            <ac:spMk id="5" creationId="{4C4D6D19-867C-6715-B228-4053FC3FA44E}"/>
+          </ac:spMkLst>
+        </pc:spChg>
+        <pc:spChg chg="add del mod">
+          <ac:chgData name="Vitaly Shalem" userId="6204743627004406" providerId="LiveId" clId="{7A728C9E-955F-4798-8429-9FDAD378C401}" dt="2023-06-21T05:27:01.761" v="299" actId="478"/>
+          <ac:spMkLst>
+            <pc:docMk/>
+            <pc:sldMk cId="3194443322" sldId="274"/>
+            <ac:spMk id="6" creationId="{7158CE25-45BC-017C-8CD5-966E160B8A83}"/>
+          </ac:spMkLst>
+        </pc:spChg>
+        <pc:spChg chg="add del mod">
+          <ac:chgData name="Vitaly Shalem" userId="6204743627004406" providerId="LiveId" clId="{7A728C9E-955F-4798-8429-9FDAD378C401}" dt="2023-06-21T08:21:58.281" v="636" actId="478"/>
+          <ac:spMkLst>
+            <pc:docMk/>
+            <pc:sldMk cId="3194443322" sldId="274"/>
+            <ac:spMk id="6" creationId="{C6DE20BF-F8E0-8A11-1530-71FBEEEF82FA}"/>
+          </ac:spMkLst>
+        </pc:spChg>
+        <pc:spChg chg="add del mod ord">
+          <ac:chgData name="Vitaly Shalem" userId="6204743627004406" providerId="LiveId" clId="{7A728C9E-955F-4798-8429-9FDAD378C401}" dt="2023-06-21T08:21:36.344" v="632" actId="478"/>
+          <ac:spMkLst>
+            <pc:docMk/>
+            <pc:sldMk cId="3194443322" sldId="274"/>
+            <ac:spMk id="7" creationId="{79E6B7DC-1C5B-30F0-BE1D-72F16DC37711}"/>
+          </ac:spMkLst>
+        </pc:spChg>
+        <pc:spChg chg="add del mod ord">
+          <ac:chgData name="Vitaly Shalem" userId="6204743627004406" providerId="LiveId" clId="{7A728C9E-955F-4798-8429-9FDAD378C401}" dt="2023-06-21T08:21:36.344" v="632" actId="478"/>
+          <ac:spMkLst>
+            <pc:docMk/>
+            <pc:sldMk cId="3194443322" sldId="274"/>
+            <ac:spMk id="8" creationId="{82E08EC9-05B3-7605-6A1E-CAAE6B0D7486}"/>
+          </ac:spMkLst>
+        </pc:spChg>
+        <pc:spChg chg="add del mod ord">
+          <ac:chgData name="Vitaly Shalem" userId="6204743627004406" providerId="LiveId" clId="{7A728C9E-955F-4798-8429-9FDAD378C401}" dt="2023-06-21T08:31:33.832" v="646" actId="478"/>
+          <ac:spMkLst>
+            <pc:docMk/>
+            <pc:sldMk cId="3194443322" sldId="274"/>
+            <ac:spMk id="9" creationId="{18DA17CE-3776-6D93-CABE-00B727ACAC51}"/>
+          </ac:spMkLst>
+        </pc:spChg>
+        <pc:spChg chg="add del mod">
+          <ac:chgData name="Vitaly Shalem" userId="6204743627004406" providerId="LiveId" clId="{7A728C9E-955F-4798-8429-9FDAD378C401}" dt="2023-06-21T08:22:03.968" v="638" actId="478"/>
+          <ac:spMkLst>
+            <pc:docMk/>
+            <pc:sldMk cId="3194443322" sldId="274"/>
+            <ac:spMk id="10" creationId="{09015B4E-9309-5895-50A6-C6324E4D94BC}"/>
+          </ac:spMkLst>
+        </pc:spChg>
+        <pc:spChg chg="add mod">
+          <ac:chgData name="Vitaly Shalem" userId="6204743627004406" providerId="LiveId" clId="{7A728C9E-955F-4798-8429-9FDAD378C401}" dt="2023-06-21T05:42:40.968" v="505" actId="571"/>
+          <ac:spMkLst>
+            <pc:docMk/>
+            <pc:sldMk cId="3194443322" sldId="274"/>
+            <ac:spMk id="10" creationId="{643C57CF-4B8C-4B20-5082-E519E22FCDCA}"/>
+          </ac:spMkLst>
+        </pc:spChg>
+        <pc:spChg chg="add mod">
+          <ac:chgData name="Vitaly Shalem" userId="6204743627004406" providerId="LiveId" clId="{7A728C9E-955F-4798-8429-9FDAD378C401}" dt="2023-06-21T05:42:40.968" v="505" actId="571"/>
+          <ac:spMkLst>
+            <pc:docMk/>
+            <pc:sldMk cId="3194443322" sldId="274"/>
+            <ac:spMk id="11" creationId="{5B176E62-DA83-E885-C908-A60A222B0DD9}"/>
+          </ac:spMkLst>
+        </pc:spChg>
+        <pc:spChg chg="add mod">
+          <ac:chgData name="Vitaly Shalem" userId="6204743627004406" providerId="LiveId" clId="{7A728C9E-955F-4798-8429-9FDAD378C401}" dt="2023-06-21T05:42:40.968" v="505" actId="571"/>
+          <ac:spMkLst>
+            <pc:docMk/>
+            <pc:sldMk cId="3194443322" sldId="274"/>
+            <ac:spMk id="12" creationId="{29679778-F02D-B653-3556-43A971EF7B5F}"/>
+          </ac:spMkLst>
+        </pc:spChg>
+        <pc:spChg chg="add del mod">
+          <ac:chgData name="Vitaly Shalem" userId="6204743627004406" providerId="LiveId" clId="{7A728C9E-955F-4798-8429-9FDAD378C401}" dt="2023-06-21T08:22:01.401" v="637" actId="478"/>
+          <ac:spMkLst>
+            <pc:docMk/>
+            <pc:sldMk cId="3194443322" sldId="274"/>
+            <ac:spMk id="12" creationId="{D4486646-B51B-E42C-CE98-66A503E79667}"/>
+          </ac:spMkLst>
+        </pc:spChg>
+        <pc:spChg chg="add del mod">
+          <ac:chgData name="Vitaly Shalem" userId="6204743627004406" providerId="LiveId" clId="{7A728C9E-955F-4798-8429-9FDAD378C401}" dt="2023-06-21T08:22:17.995" v="639" actId="478"/>
+          <ac:spMkLst>
+            <pc:docMk/>
+            <pc:sldMk cId="3194443322" sldId="274"/>
+            <ac:spMk id="14" creationId="{3B3F3603-8B9D-1C76-1D7C-B87F95422288}"/>
+          </ac:spMkLst>
+        </pc:spChg>
+        <pc:spChg chg="add mod">
+          <ac:chgData name="Vitaly Shalem" userId="6204743627004406" providerId="LiveId" clId="{7A728C9E-955F-4798-8429-9FDAD378C401}" dt="2023-06-21T08:22:26.313" v="641"/>
+          <ac:spMkLst>
+            <pc:docMk/>
+            <pc:sldMk cId="3194443322" sldId="274"/>
+            <ac:spMk id="15" creationId="{886A08B4-E222-78D8-ADA6-2C5D5C03870B}"/>
+          </ac:spMkLst>
+        </pc:spChg>
+        <pc:spChg chg="add mod">
+          <ac:chgData name="Vitaly Shalem" userId="6204743627004406" providerId="LiveId" clId="{7A728C9E-955F-4798-8429-9FDAD378C401}" dt="2023-06-21T08:22:26.313" v="641"/>
+          <ac:spMkLst>
+            <pc:docMk/>
+            <pc:sldMk cId="3194443322" sldId="274"/>
+            <ac:spMk id="16" creationId="{3C685C92-4D7B-E3EA-F285-AD3FE8814473}"/>
+          </ac:spMkLst>
+        </pc:spChg>
+      </pc:sldChg>
+      <pc:sldChg chg="addSp delSp modSp mod">
+        <pc:chgData name="Vitaly Shalem" userId="6204743627004406" providerId="LiveId" clId="{7A728C9E-955F-4798-8429-9FDAD378C401}" dt="2023-06-21T08:21:07.461" v="629"/>
+        <pc:sldMkLst>
+          <pc:docMk/>
+          <pc:sldMk cId="1483936342" sldId="275"/>
+        </pc:sldMkLst>
+        <pc:spChg chg="add del mod">
+          <ac:chgData name="Vitaly Shalem" userId="6204743627004406" providerId="LiveId" clId="{7A728C9E-955F-4798-8429-9FDAD378C401}" dt="2023-06-21T08:18:13.125" v="535" actId="478"/>
+          <ac:spMkLst>
+            <pc:docMk/>
+            <pc:sldMk cId="1483936342" sldId="275"/>
+            <ac:spMk id="2" creationId="{07A47D99-D34C-168B-C37F-3F3C28FDBF25}"/>
+          </ac:spMkLst>
+        </pc:spChg>
+        <pc:spChg chg="del">
+          <ac:chgData name="Vitaly Shalem" userId="6204743627004406" providerId="LiveId" clId="{7A728C9E-955F-4798-8429-9FDAD378C401}" dt="2023-06-20T21:59:57.489" v="21" actId="478"/>
+          <ac:spMkLst>
+            <pc:docMk/>
+            <pc:sldMk cId="1483936342" sldId="275"/>
+            <ac:spMk id="2" creationId="{11362F2D-43C8-0179-77A3-D0344EDA2E42}"/>
+          </ac:spMkLst>
+        </pc:spChg>
+        <pc:spChg chg="add mod">
+          <ac:chgData name="Vitaly Shalem" userId="6204743627004406" providerId="LiveId" clId="{7A728C9E-955F-4798-8429-9FDAD378C401}" dt="2023-06-20T21:59:58.701" v="22"/>
+          <ac:spMkLst>
+            <pc:docMk/>
+            <pc:sldMk cId="1483936342" sldId="275"/>
+            <ac:spMk id="3" creationId="{3C3DDF1E-6212-E857-8814-B341D2EE998C}"/>
+          </ac:spMkLst>
+        </pc:spChg>
+        <pc:spChg chg="add del mod">
+          <ac:chgData name="Vitaly Shalem" userId="6204743627004406" providerId="LiveId" clId="{7A728C9E-955F-4798-8429-9FDAD378C401}" dt="2023-06-21T08:18:15.328" v="536" actId="478"/>
+          <ac:spMkLst>
+            <pc:docMk/>
+            <pc:sldMk cId="1483936342" sldId="275"/>
+            <ac:spMk id="4" creationId="{D7C2D63D-B33B-D5F0-9B12-0AFDD3FF81C4}"/>
+          </ac:spMkLst>
+        </pc:spChg>
+        <pc:spChg chg="add del mod">
+          <ac:chgData name="Vitaly Shalem" userId="6204743627004406" providerId="LiveId" clId="{7A728C9E-955F-4798-8429-9FDAD378C401}" dt="2023-06-21T08:20:24.780" v="622" actId="478"/>
+          <ac:spMkLst>
+            <pc:docMk/>
+            <pc:sldMk cId="1483936342" sldId="275"/>
+            <ac:spMk id="5" creationId="{B43A2A87-337F-9989-532B-E09280CE5AE8}"/>
+          </ac:spMkLst>
+        </pc:spChg>
+        <pc:spChg chg="add del mod">
+          <ac:chgData name="Vitaly Shalem" userId="6204743627004406" providerId="LiveId" clId="{7A728C9E-955F-4798-8429-9FDAD378C401}" dt="2023-06-21T08:20:24.780" v="622" actId="478"/>
+          <ac:spMkLst>
+            <pc:docMk/>
+            <pc:sldMk cId="1483936342" sldId="275"/>
+            <ac:spMk id="6" creationId="{B939B85A-0813-0B49-FF48-8943F15C212A}"/>
+          </ac:spMkLst>
+        </pc:spChg>
+        <pc:spChg chg="add mod">
+          <ac:chgData name="Vitaly Shalem" userId="6204743627004406" providerId="LiveId" clId="{7A728C9E-955F-4798-8429-9FDAD378C401}" dt="2023-06-21T08:21:07.461" v="629"/>
+          <ac:spMkLst>
+            <pc:docMk/>
+            <pc:sldMk cId="1483936342" sldId="275"/>
+            <ac:spMk id="7" creationId="{2796D9AB-0532-A7B7-89F0-ADA0EC8C81C8}"/>
+          </ac:spMkLst>
+        </pc:spChg>
+        <pc:spChg chg="add mod">
+          <ac:chgData name="Vitaly Shalem" userId="6204743627004406" providerId="LiveId" clId="{7A728C9E-955F-4798-8429-9FDAD378C401}" dt="2023-06-21T08:21:07.461" v="629"/>
+          <ac:spMkLst>
+            <pc:docMk/>
+            <pc:sldMk cId="1483936342" sldId="275"/>
+            <ac:spMk id="8" creationId="{9969D63C-D951-D12F-655E-3E30A1020985}"/>
+          </ac:spMkLst>
+        </pc:spChg>
+      </pc:sldChg>
+      <pc:sldChg chg="addSp delSp modSp mod">
+        <pc:chgData name="Vitaly Shalem" userId="6204743627004406" providerId="LiveId" clId="{7A728C9E-955F-4798-8429-9FDAD378C401}" dt="2023-06-21T08:21:21.555" v="630"/>
+        <pc:sldMkLst>
+          <pc:docMk/>
+          <pc:sldMk cId="364462967" sldId="276"/>
+        </pc:sldMkLst>
+        <pc:spChg chg="del">
+          <ac:chgData name="Vitaly Shalem" userId="6204743627004406" providerId="LiveId" clId="{7A728C9E-955F-4798-8429-9FDAD378C401}" dt="2023-06-20T22:00:03.529" v="23" actId="478"/>
+          <ac:spMkLst>
+            <pc:docMk/>
+            <pc:sldMk cId="364462967" sldId="276"/>
+            <ac:spMk id="2" creationId="{4644072B-110B-D0E0-E18C-985FAC2F12AB}"/>
+          </ac:spMkLst>
+        </pc:spChg>
+        <pc:spChg chg="add del mod">
+          <ac:chgData name="Vitaly Shalem" userId="6204743627004406" providerId="LiveId" clId="{7A728C9E-955F-4798-8429-9FDAD378C401}" dt="2023-06-21T08:18:22.590" v="538" actId="478"/>
+          <ac:spMkLst>
+            <pc:docMk/>
+            <pc:sldMk cId="364462967" sldId="276"/>
+            <ac:spMk id="2" creationId="{F7E53E94-D8C1-CD43-5CE3-4E1BE62E6AB0}"/>
+          </ac:spMkLst>
+        </pc:spChg>
+        <pc:spChg chg="add mod">
+          <ac:chgData name="Vitaly Shalem" userId="6204743627004406" providerId="LiveId" clId="{7A728C9E-955F-4798-8429-9FDAD378C401}" dt="2023-06-20T22:00:04.426" v="24"/>
+          <ac:spMkLst>
+            <pc:docMk/>
+            <pc:sldMk cId="364462967" sldId="276"/>
+            <ac:spMk id="3" creationId="{404FA377-124B-D3EE-FAD5-9AB5557B7589}"/>
+          </ac:spMkLst>
+        </pc:spChg>
+        <pc:spChg chg="add del mod">
+          <ac:chgData name="Vitaly Shalem" userId="6204743627004406" providerId="LiveId" clId="{7A728C9E-955F-4798-8429-9FDAD378C401}" dt="2023-06-21T08:18:20.021" v="537" actId="478"/>
+          <ac:spMkLst>
+            <pc:docMk/>
+            <pc:sldMk cId="364462967" sldId="276"/>
+            <ac:spMk id="4" creationId="{85D9D802-1F3D-6555-43BA-966AC00919DE}"/>
+          </ac:spMkLst>
+        </pc:spChg>
+        <pc:spChg chg="add del mod">
+          <ac:chgData name="Vitaly Shalem" userId="6204743627004406" providerId="LiveId" clId="{7A728C9E-955F-4798-8429-9FDAD378C401}" dt="2023-06-21T08:20:31.602" v="623" actId="478"/>
+          <ac:spMkLst>
+            <pc:docMk/>
+            <pc:sldMk cId="364462967" sldId="276"/>
+            <ac:spMk id="5" creationId="{88545F3C-A9FA-DC0C-46EA-2AD4E3A004E0}"/>
+          </ac:spMkLst>
+        </pc:spChg>
+        <pc:spChg chg="add del mod">
+          <ac:chgData name="Vitaly Shalem" userId="6204743627004406" providerId="LiveId" clId="{7A728C9E-955F-4798-8429-9FDAD378C401}" dt="2023-06-21T08:20:34.586" v="624" actId="478"/>
+          <ac:spMkLst>
+            <pc:docMk/>
+            <pc:sldMk cId="364462967" sldId="276"/>
+            <ac:spMk id="6" creationId="{ED6309DB-AC92-3AA1-4CBE-F1BDFC687795}"/>
+          </ac:spMkLst>
+        </pc:spChg>
+        <pc:spChg chg="add mod">
+          <ac:chgData name="Vitaly Shalem" userId="6204743627004406" providerId="LiveId" clId="{7A728C9E-955F-4798-8429-9FDAD378C401}" dt="2023-06-21T08:21:21.555" v="630"/>
+          <ac:spMkLst>
+            <pc:docMk/>
+            <pc:sldMk cId="364462967" sldId="276"/>
+            <ac:spMk id="7" creationId="{1BAC39C1-F23A-C6BE-D46E-7621BEE437EC}"/>
+          </ac:spMkLst>
+        </pc:spChg>
+        <pc:spChg chg="add mod">
+          <ac:chgData name="Vitaly Shalem" userId="6204743627004406" providerId="LiveId" clId="{7A728C9E-955F-4798-8429-9FDAD378C401}" dt="2023-06-21T08:21:21.555" v="630"/>
+          <ac:spMkLst>
+            <pc:docMk/>
+            <pc:sldMk cId="364462967" sldId="276"/>
+            <ac:spMk id="8" creationId="{6EC61DE9-A364-1E70-35EE-6A3A4BBF2EB1}"/>
+          </ac:spMkLst>
+        </pc:spChg>
+      </pc:sldChg>
+      <pc:sldChg chg="addSp delSp modSp mod">
+        <pc:chgData name="Vitaly Shalem" userId="6204743627004406" providerId="LiveId" clId="{7A728C9E-955F-4798-8429-9FDAD378C401}" dt="2023-06-21T08:21:25.365" v="631"/>
+        <pc:sldMkLst>
+          <pc:docMk/>
+          <pc:sldMk cId="3751409535" sldId="277"/>
+        </pc:sldMkLst>
+        <pc:spChg chg="add del mod">
+          <ac:chgData name="Vitaly Shalem" userId="6204743627004406" providerId="LiveId" clId="{7A728C9E-955F-4798-8429-9FDAD378C401}" dt="2023-06-21T08:18:28.640" v="539" actId="478"/>
+          <ac:spMkLst>
+            <pc:docMk/>
+            <pc:sldMk cId="3751409535" sldId="277"/>
+            <ac:spMk id="2" creationId="{09F7EA4C-181C-DEF5-F411-031DABE3210B}"/>
+          </ac:spMkLst>
+        </pc:spChg>
+        <pc:spChg chg="del">
+          <ac:chgData name="Vitaly Shalem" userId="6204743627004406" providerId="LiveId" clId="{7A728C9E-955F-4798-8429-9FDAD378C401}" dt="2023-06-20T22:00:15.317" v="25" actId="478"/>
+          <ac:spMkLst>
+            <pc:docMk/>
+            <pc:sldMk cId="3751409535" sldId="277"/>
+            <ac:spMk id="2" creationId="{C484BB9A-7C28-B42F-C26B-2250792DE24A}"/>
+          </ac:spMkLst>
+        </pc:spChg>
+        <pc:spChg chg="add mod">
+          <ac:chgData name="Vitaly Shalem" userId="6204743627004406" providerId="LiveId" clId="{7A728C9E-955F-4798-8429-9FDAD378C401}" dt="2023-06-20T22:00:17.379" v="26"/>
+          <ac:spMkLst>
+            <pc:docMk/>
+            <pc:sldMk cId="3751409535" sldId="277"/>
+            <ac:spMk id="3" creationId="{0036874D-1788-A942-5857-54E7F4E1B2B6}"/>
+          </ac:spMkLst>
+        </pc:spChg>
+        <pc:spChg chg="add del mod">
+          <ac:chgData name="Vitaly Shalem" userId="6204743627004406" providerId="LiveId" clId="{7A728C9E-955F-4798-8429-9FDAD378C401}" dt="2023-06-21T08:18:31.811" v="540" actId="478"/>
+          <ac:spMkLst>
+            <pc:docMk/>
+            <pc:sldMk cId="3751409535" sldId="277"/>
+            <ac:spMk id="4" creationId="{F37F6F78-3775-B8E4-F715-FF155FB13413}"/>
+          </ac:spMkLst>
+        </pc:spChg>
+        <pc:spChg chg="add del mod">
+          <ac:chgData name="Vitaly Shalem" userId="6204743627004406" providerId="LiveId" clId="{7A728C9E-955F-4798-8429-9FDAD378C401}" dt="2023-06-21T08:20:40.814" v="626" actId="478"/>
+          <ac:spMkLst>
+            <pc:docMk/>
+            <pc:sldMk cId="3751409535" sldId="277"/>
+            <ac:spMk id="5" creationId="{D96CDA55-70E1-AB4A-A767-A97DCE1861EA}"/>
+          </ac:spMkLst>
+        </pc:spChg>
+        <pc:spChg chg="add del mod">
+          <ac:chgData name="Vitaly Shalem" userId="6204743627004406" providerId="LiveId" clId="{7A728C9E-955F-4798-8429-9FDAD378C401}" dt="2023-06-21T08:20:38.375" v="625" actId="478"/>
+          <ac:spMkLst>
+            <pc:docMk/>
+            <pc:sldMk cId="3751409535" sldId="277"/>
+            <ac:spMk id="6" creationId="{91973928-DD3C-03EB-191E-1C518C80733D}"/>
+          </ac:spMkLst>
+        </pc:spChg>
+        <pc:spChg chg="add mod">
+          <ac:chgData name="Vitaly Shalem" userId="6204743627004406" providerId="LiveId" clId="{7A728C9E-955F-4798-8429-9FDAD378C401}" dt="2023-06-21T08:21:25.365" v="631"/>
+          <ac:spMkLst>
+            <pc:docMk/>
+            <pc:sldMk cId="3751409535" sldId="277"/>
+            <ac:spMk id="7" creationId="{886B81DA-07E8-F521-3388-71AAE671E044}"/>
+          </ac:spMkLst>
+        </pc:spChg>
+        <pc:spChg chg="add mod">
+          <ac:chgData name="Vitaly Shalem" userId="6204743627004406" providerId="LiveId" clId="{7A728C9E-955F-4798-8429-9FDAD378C401}" dt="2023-06-21T08:21:25.365" v="631"/>
+          <ac:spMkLst>
+            <pc:docMk/>
+            <pc:sldMk cId="3751409535" sldId="277"/>
+            <ac:spMk id="8" creationId="{D967EB6D-DB4E-7AF5-9E0C-D59A91445F9E}"/>
+          </ac:spMkLst>
+        </pc:spChg>
+      </pc:sldChg>
+      <pc:sldChg chg="del">
+        <pc:chgData name="Vitaly Shalem" userId="6204743627004406" providerId="LiveId" clId="{7A728C9E-955F-4798-8429-9FDAD378C401}" dt="2023-06-20T22:01:11.752" v="30" actId="47"/>
+        <pc:sldMkLst>
+          <pc:docMk/>
+          <pc:sldMk cId="171951147" sldId="278"/>
+        </pc:sldMkLst>
+      </pc:sldChg>
+      <pc:sldChg chg="addSp delSp modSp new mod setBg modClrScheme chgLayout">
+        <pc:chgData name="Vitaly Shalem" userId="6204743627004406" providerId="LiveId" clId="{7A728C9E-955F-4798-8429-9FDAD378C401}" dt="2023-06-21T05:47:55.784" v="511" actId="207"/>
+        <pc:sldMkLst>
+          <pc:docMk/>
+          <pc:sldMk cId="209697400" sldId="278"/>
+        </pc:sldMkLst>
+        <pc:spChg chg="del mod ord">
+          <ac:chgData name="Vitaly Shalem" userId="6204743627004406" providerId="LiveId" clId="{7A728C9E-955F-4798-8429-9FDAD378C401}" dt="2023-06-21T05:14:09.466" v="157" actId="478"/>
+          <ac:spMkLst>
+            <pc:docMk/>
+            <pc:sldMk cId="209697400" sldId="278"/>
+            <ac:spMk id="2" creationId="{6B3A5EC5-BE42-8336-0ACF-56F0241C80D4}"/>
+          </ac:spMkLst>
+        </pc:spChg>
+        <pc:spChg chg="add del mod ord">
+          <ac:chgData name="Vitaly Shalem" userId="6204743627004406" providerId="LiveId" clId="{7A728C9E-955F-4798-8429-9FDAD378C401}" dt="2023-06-21T05:15:37.479" v="170" actId="478"/>
+          <ac:spMkLst>
+            <pc:docMk/>
+            <pc:sldMk cId="209697400" sldId="278"/>
+            <ac:spMk id="4" creationId="{859340D8-BFF6-185E-7865-B7CAA0C2BDBC}"/>
+          </ac:spMkLst>
+        </pc:spChg>
+        <pc:spChg chg="add del mod ord">
+          <ac:chgData name="Vitaly Shalem" userId="6204743627004406" providerId="LiveId" clId="{7A728C9E-955F-4798-8429-9FDAD378C401}" dt="2023-06-21T05:40:47.613" v="496" actId="478"/>
+          <ac:spMkLst>
+            <pc:docMk/>
+            <pc:sldMk cId="209697400" sldId="278"/>
+            <ac:spMk id="5" creationId="{031F0332-D199-9853-06DF-78C56C31545D}"/>
+          </ac:spMkLst>
+        </pc:spChg>
+        <pc:spChg chg="add del mod ord">
+          <ac:chgData name="Vitaly Shalem" userId="6204743627004406" providerId="LiveId" clId="{7A728C9E-955F-4798-8429-9FDAD378C401}" dt="2023-06-21T05:15:32.781" v="168" actId="700"/>
+          <ac:spMkLst>
+            <pc:docMk/>
+            <pc:sldMk cId="209697400" sldId="278"/>
+            <ac:spMk id="6" creationId="{21CD78AD-6F4E-ADE4-BB76-5B91D0692518}"/>
+          </ac:spMkLst>
+        </pc:spChg>
+        <pc:spChg chg="add del mod ord">
+          <ac:chgData name="Vitaly Shalem" userId="6204743627004406" providerId="LiveId" clId="{7A728C9E-955F-4798-8429-9FDAD378C401}" dt="2023-06-21T05:15:45.110" v="171" actId="700"/>
+          <ac:spMkLst>
+            <pc:docMk/>
+            <pc:sldMk cId="209697400" sldId="278"/>
+            <ac:spMk id="8" creationId="{8C08C043-8902-F2A9-12BA-8A965D7C2421}"/>
+          </ac:spMkLst>
+        </pc:spChg>
+        <pc:spChg chg="add mod ord">
+          <ac:chgData name="Vitaly Shalem" userId="6204743627004406" providerId="LiveId" clId="{7A728C9E-955F-4798-8429-9FDAD378C401}" dt="2023-06-21T05:47:55.784" v="511" actId="207"/>
+          <ac:spMkLst>
+            <pc:docMk/>
+            <pc:sldMk cId="209697400" sldId="278"/>
+            <ac:spMk id="9" creationId="{CC37CF84-C9D3-AB16-97BC-933795D6856F}"/>
+          </ac:spMkLst>
+        </pc:spChg>
+        <pc:spChg chg="add del mod ord">
+          <ac:chgData name="Vitaly Shalem" userId="6204743627004406" providerId="LiveId" clId="{7A728C9E-955F-4798-8429-9FDAD378C401}" dt="2023-06-21T05:15:56.184" v="175" actId="478"/>
+          <ac:spMkLst>
+            <pc:docMk/>
+            <pc:sldMk cId="209697400" sldId="278"/>
+            <ac:spMk id="10" creationId="{98322500-722E-C16D-EB07-49B98C76A148}"/>
+          </ac:spMkLst>
+        </pc:spChg>
+        <pc:spChg chg="add mod">
+          <ac:chgData name="Vitaly Shalem" userId="6204743627004406" providerId="LiveId" clId="{7A728C9E-955F-4798-8429-9FDAD378C401}" dt="2023-06-21T05:41:01.082" v="497"/>
+          <ac:spMkLst>
+            <pc:docMk/>
+            <pc:sldMk cId="209697400" sldId="278"/>
+            <ac:spMk id="11" creationId="{34DB4F19-EEED-4A35-19BF-73A8BC0165DE}"/>
+          </ac:spMkLst>
+        </pc:spChg>
+        <pc:picChg chg="add del">
+          <ac:chgData name="Vitaly Shalem" userId="6204743627004406" providerId="LiveId" clId="{7A728C9E-955F-4798-8429-9FDAD378C401}" dt="2023-06-21T05:07:31.847" v="33" actId="21"/>
+          <ac:picMkLst>
+            <pc:docMk/>
+            <pc:sldMk cId="209697400" sldId="278"/>
+            <ac:picMk id="3" creationId="{F3701EDB-55B2-D2F4-F47E-38CAC188D3D2}"/>
+          </ac:picMkLst>
+        </pc:picChg>
+      </pc:sldChg>
+      <pc:sldChg chg="add del setBg">
+        <pc:chgData name="Vitaly Shalem" userId="6204743627004406" providerId="LiveId" clId="{7A728C9E-955F-4798-8429-9FDAD378C401}" dt="2023-06-20T22:00:54.182" v="29"/>
+        <pc:sldMkLst>
+          <pc:docMk/>
+          <pc:sldMk cId="2984915166" sldId="278"/>
+        </pc:sldMkLst>
+      </pc:sldChg>
+      <pc:sldChg chg="addSp delSp add mod setBg">
+        <pc:chgData name="Vitaly Shalem" userId="6204743627004406" providerId="LiveId" clId="{7A728C9E-955F-4798-8429-9FDAD378C401}" dt="2023-06-21T08:31:01.083" v="643" actId="478"/>
+        <pc:sldMkLst>
+          <pc:docMk/>
+          <pc:sldMk cId="2792870632" sldId="279"/>
+        </pc:sldMkLst>
+        <pc:spChg chg="del">
+          <ac:chgData name="Vitaly Shalem" userId="6204743627004406" providerId="LiveId" clId="{7A728C9E-955F-4798-8429-9FDAD378C401}" dt="2023-06-21T08:31:01.083" v="643" actId="478"/>
+          <ac:spMkLst>
+            <pc:docMk/>
+            <pc:sldMk cId="2792870632" sldId="279"/>
+            <ac:spMk id="2" creationId="{5BC68779-07CF-B47B-B478-CF25EEAC0C9D}"/>
+          </ac:spMkLst>
+        </pc:spChg>
+        <pc:picChg chg="add del">
+          <ac:chgData name="Vitaly Shalem" userId="6204743627004406" providerId="LiveId" clId="{7A728C9E-955F-4798-8429-9FDAD378C401}" dt="2023-06-21T05:19:04.345" v="218" actId="21"/>
+          <ac:picMkLst>
+            <pc:docMk/>
+            <pc:sldMk cId="2792870632" sldId="279"/>
+            <ac:picMk id="5" creationId="{01A70EAC-B3F3-DF1E-AC20-7A85F7D29245}"/>
+          </ac:picMkLst>
+        </pc:picChg>
+      </pc:sldChg>
+      <pc:sldChg chg="addSp delSp add mod setBg">
+        <pc:chgData name="Vitaly Shalem" userId="6204743627004406" providerId="LiveId" clId="{7A728C9E-955F-4798-8429-9FDAD378C401}" dt="2023-06-21T08:31:05.667" v="644" actId="478"/>
+        <pc:sldMkLst>
+          <pc:docMk/>
+          <pc:sldMk cId="1503276661" sldId="280"/>
+        </pc:sldMkLst>
+        <pc:spChg chg="del">
+          <ac:chgData name="Vitaly Shalem" userId="6204743627004406" providerId="LiveId" clId="{7A728C9E-955F-4798-8429-9FDAD378C401}" dt="2023-06-21T08:31:05.667" v="644" actId="478"/>
+          <ac:spMkLst>
+            <pc:docMk/>
+            <pc:sldMk cId="1503276661" sldId="280"/>
+            <ac:spMk id="2" creationId="{5BC68779-07CF-B47B-B478-CF25EEAC0C9D}"/>
+          </ac:spMkLst>
+        </pc:spChg>
+        <pc:picChg chg="add del">
+          <ac:chgData name="Vitaly Shalem" userId="6204743627004406" providerId="LiveId" clId="{7A728C9E-955F-4798-8429-9FDAD378C401}" dt="2023-06-21T05:19:31.723" v="223" actId="21"/>
+          <ac:picMkLst>
+            <pc:docMk/>
+            <pc:sldMk cId="1503276661" sldId="280"/>
+            <ac:picMk id="5" creationId="{FDEE0061-25E6-2C44-7CA2-8012C2F47311}"/>
+          </ac:picMkLst>
+        </pc:picChg>
+      </pc:sldChg>
+      <pc:sldChg chg="addSp delSp modSp new mod setBg">
+        <pc:chgData name="Vitaly Shalem" userId="6204743627004406" providerId="LiveId" clId="{7A728C9E-955F-4798-8429-9FDAD378C401}" dt="2023-06-21T08:32:47.803" v="663" actId="14100"/>
+        <pc:sldMkLst>
+          <pc:docMk/>
+          <pc:sldMk cId="3631279648" sldId="281"/>
+        </pc:sldMkLst>
+        <pc:spChg chg="del mod">
+          <ac:chgData name="Vitaly Shalem" userId="6204743627004406" providerId="LiveId" clId="{7A728C9E-955F-4798-8429-9FDAD378C401}" dt="2023-06-21T08:32:12.024" v="649" actId="478"/>
+          <ac:spMkLst>
+            <pc:docMk/>
+            <pc:sldMk cId="3631279648" sldId="281"/>
+            <ac:spMk id="2" creationId="{299CB837-3E9C-D784-A5E5-2649B55115B3}"/>
+          </ac:spMkLst>
+        </pc:spChg>
+        <pc:spChg chg="add mod">
+          <ac:chgData name="Vitaly Shalem" userId="6204743627004406" providerId="LiveId" clId="{7A728C9E-955F-4798-8429-9FDAD378C401}" dt="2023-06-21T08:32:13.315" v="650"/>
+          <ac:spMkLst>
+            <pc:docMk/>
+            <pc:sldMk cId="3631279648" sldId="281"/>
+            <ac:spMk id="3" creationId="{AE9BB983-F645-B4E2-6C1A-C8BCB0E543A2}"/>
+          </ac:spMkLst>
+        </pc:spChg>
+        <pc:spChg chg="add mod">
+          <ac:chgData name="Vitaly Shalem" userId="6204743627004406" providerId="LiveId" clId="{7A728C9E-955F-4798-8429-9FDAD378C401}" dt="2023-06-21T08:32:47.803" v="663" actId="14100"/>
+          <ac:spMkLst>
+            <pc:docMk/>
+            <pc:sldMk cId="3631279648" sldId="281"/>
+            <ac:spMk id="4" creationId="{00CE37CC-19B9-5405-ED19-D6D79B056D40}"/>
+          </ac:spMkLst>
+        </pc:spChg>
+        <pc:picChg chg="add del">
+          <ac:chgData name="Vitaly Shalem" userId="6204743627004406" providerId="LiveId" clId="{7A728C9E-955F-4798-8429-9FDAD378C401}" dt="2023-06-21T05:51:05.085" v="515" actId="21"/>
+          <ac:picMkLst>
+            <pc:docMk/>
+            <pc:sldMk cId="3631279648" sldId="281"/>
+            <ac:picMk id="3" creationId="{3E5C4BCB-693C-7257-E8F0-3E6A77DA4169}"/>
+          </ac:picMkLst>
+        </pc:picChg>
+      </pc:sldChg>
+    </pc:docChg>
+  </pc:docChgLst>
+  <pc:docChgLst>
     <pc:chgData name="Vitaly Shalem" userId="6204743627004406" providerId="LiveId" clId="{3DD090CB-DBEF-4322-AC16-26EF1E32EDEC}"/>
     <pc:docChg chg="undo custSel delSld modSld">
       <pc:chgData name="Vitaly Shalem" userId="6204743627004406" providerId="LiveId" clId="{3DD090CB-DBEF-4322-AC16-26EF1E32EDEC}" dt="2023-07-11T10:09:43.485" v="1047" actId="1076"/>
@@ -380,928 +1302,6 @@
           <pc:docMk/>
           <pc:sldMk cId="3631279648" sldId="281"/>
         </pc:sldMkLst>
-      </pc:sldChg>
-    </pc:docChg>
-  </pc:docChgLst>
-  <pc:docChgLst>
-    <pc:chgData name="Vitaly Shalem" userId="6204743627004406" providerId="LiveId" clId="{2C9A0960-E19D-45C1-BDBD-503DAEA14992}"/>
-    <pc:docChg chg="undo custSel addSld delSld modSld">
-      <pc:chgData name="Vitaly Shalem" userId="6204743627004406" providerId="LiveId" clId="{2C9A0960-E19D-45C1-BDBD-503DAEA14992}" dt="2023-06-22T12:05:45.707" v="83"/>
-      <pc:docMkLst>
-        <pc:docMk/>
-      </pc:docMkLst>
-      <pc:sldChg chg="addSp delSp add del setBg delDesignElem">
-        <pc:chgData name="Vitaly Shalem" userId="6204743627004406" providerId="LiveId" clId="{2C9A0960-E19D-45C1-BDBD-503DAEA14992}" dt="2023-06-22T12:04:33.257" v="75"/>
-        <pc:sldMkLst>
-          <pc:docMk/>
-          <pc:sldMk cId="39662466" sldId="257"/>
-        </pc:sldMkLst>
-        <pc:spChg chg="add del">
-          <ac:chgData name="Vitaly Shalem" userId="6204743627004406" providerId="LiveId" clId="{2C9A0960-E19D-45C1-BDBD-503DAEA14992}" dt="2023-06-22T12:04:33.257" v="75"/>
-          <ac:spMkLst>
-            <pc:docMk/>
-            <pc:sldMk cId="39662466" sldId="257"/>
-            <ac:spMk id="9" creationId="{86806086-A782-4311-A63B-1A68574D8067}"/>
-          </ac:spMkLst>
-        </pc:spChg>
-        <pc:spChg chg="add del">
-          <ac:chgData name="Vitaly Shalem" userId="6204743627004406" providerId="LiveId" clId="{2C9A0960-E19D-45C1-BDBD-503DAEA14992}" dt="2023-06-22T12:04:33.257" v="75"/>
-          <ac:spMkLst>
-            <pc:docMk/>
-            <pc:sldMk cId="39662466" sldId="257"/>
-            <ac:spMk id="12" creationId="{854ECEBE-9353-406C-9313-02A517A310EF}"/>
-          </ac:spMkLst>
-        </pc:spChg>
-        <pc:spChg chg="add del">
-          <ac:chgData name="Vitaly Shalem" userId="6204743627004406" providerId="LiveId" clId="{2C9A0960-E19D-45C1-BDBD-503DAEA14992}" dt="2023-06-22T12:04:33.257" v="75"/>
-          <ac:spMkLst>
-            <pc:docMk/>
-            <pc:sldMk cId="39662466" sldId="257"/>
-            <ac:spMk id="14" creationId="{71A74C97-ECC4-4C3A-988A-A72C1F8BBAC8}"/>
-          </ac:spMkLst>
-        </pc:spChg>
-        <pc:spChg chg="add del">
-          <ac:chgData name="Vitaly Shalem" userId="6204743627004406" providerId="LiveId" clId="{2C9A0960-E19D-45C1-BDBD-503DAEA14992}" dt="2023-06-22T12:04:33.257" v="75"/>
-          <ac:spMkLst>
-            <pc:docMk/>
-            <pc:sldMk cId="39662466" sldId="257"/>
-            <ac:spMk id="16" creationId="{5FB5F3BA-58DF-40DA-AE44-974A00E0619C}"/>
-          </ac:spMkLst>
-        </pc:spChg>
-        <pc:spChg chg="add del">
-          <ac:chgData name="Vitaly Shalem" userId="6204743627004406" providerId="LiveId" clId="{2C9A0960-E19D-45C1-BDBD-503DAEA14992}" dt="2023-06-22T12:04:33.257" v="75"/>
-          <ac:spMkLst>
-            <pc:docMk/>
-            <pc:sldMk cId="39662466" sldId="257"/>
-            <ac:spMk id="18" creationId="{DE1994AC-22D1-4B48-9EDA-BE373E704567}"/>
-          </ac:spMkLst>
-        </pc:spChg>
-      </pc:sldChg>
-      <pc:sldChg chg="addSp delSp mod setBg">
-        <pc:chgData name="Vitaly Shalem" userId="6204743627004406" providerId="LiveId" clId="{2C9A0960-E19D-45C1-BDBD-503DAEA14992}" dt="2023-06-22T12:05:45.707" v="83"/>
-        <pc:sldMkLst>
-          <pc:docMk/>
-          <pc:sldMk cId="1937330932" sldId="272"/>
-        </pc:sldMkLst>
-        <pc:picChg chg="add del">
-          <ac:chgData name="Vitaly Shalem" userId="6204743627004406" providerId="LiveId" clId="{2C9A0960-E19D-45C1-BDBD-503DAEA14992}" dt="2023-06-22T12:05:39.124" v="81" actId="21"/>
-          <ac:picMkLst>
-            <pc:docMk/>
-            <pc:sldMk cId="1937330932" sldId="272"/>
-            <ac:picMk id="2" creationId="{445BE397-386C-DED5-C383-4EA4AED65638}"/>
-          </ac:picMkLst>
-        </pc:picChg>
-      </pc:sldChg>
-      <pc:sldChg chg="addSp delSp modSp mod setBg">
-        <pc:chgData name="Vitaly Shalem" userId="6204743627004406" providerId="LiveId" clId="{2C9A0960-E19D-45C1-BDBD-503DAEA14992}" dt="2023-06-22T12:02:49.889" v="60"/>
-        <pc:sldMkLst>
-          <pc:docMk/>
-          <pc:sldMk cId="3256684687" sldId="273"/>
-        </pc:sldMkLst>
-        <pc:spChg chg="add mod">
-          <ac:chgData name="Vitaly Shalem" userId="6204743627004406" providerId="LiveId" clId="{2C9A0960-E19D-45C1-BDBD-503DAEA14992}" dt="2023-06-21T21:09:03.459" v="48"/>
-          <ac:spMkLst>
-            <pc:docMk/>
-            <pc:sldMk cId="3256684687" sldId="273"/>
-            <ac:spMk id="5" creationId="{D520E1D3-B545-988B-7D09-15C43BB0D390}"/>
-          </ac:spMkLst>
-        </pc:spChg>
-        <pc:picChg chg="add mod">
-          <ac:chgData name="Vitaly Shalem" userId="6204743627004406" providerId="LiveId" clId="{2C9A0960-E19D-45C1-BDBD-503DAEA14992}" dt="2023-06-21T21:09:03.459" v="48"/>
-          <ac:picMkLst>
-            <pc:docMk/>
-            <pc:sldMk cId="3256684687" sldId="273"/>
-            <ac:picMk id="4" creationId="{0BE3F029-F23F-EE00-D530-7FF45321E172}"/>
-          </ac:picMkLst>
-        </pc:picChg>
-        <pc:picChg chg="add del">
-          <ac:chgData name="Vitaly Shalem" userId="6204743627004406" providerId="LiveId" clId="{2C9A0960-E19D-45C1-BDBD-503DAEA14992}" dt="2023-06-22T12:02:44.038" v="58" actId="21"/>
-          <ac:picMkLst>
-            <pc:docMk/>
-            <pc:sldMk cId="3256684687" sldId="273"/>
-            <ac:picMk id="6" creationId="{35C25214-9F63-3090-E208-CF988769A118}"/>
-          </ac:picMkLst>
-        </pc:picChg>
-      </pc:sldChg>
-      <pc:sldChg chg="addSp delSp mod setBg">
-        <pc:chgData name="Vitaly Shalem" userId="6204743627004406" providerId="LiveId" clId="{2C9A0960-E19D-45C1-BDBD-503DAEA14992}" dt="2023-06-22T11:59:58.386" v="52"/>
-        <pc:sldMkLst>
-          <pc:docMk/>
-          <pc:sldMk cId="3194443322" sldId="274"/>
-        </pc:sldMkLst>
-        <pc:picChg chg="add del">
-          <ac:chgData name="Vitaly Shalem" userId="6204743627004406" providerId="LiveId" clId="{2C9A0960-E19D-45C1-BDBD-503DAEA14992}" dt="2023-06-22T11:59:44.289" v="50" actId="21"/>
-          <ac:picMkLst>
-            <pc:docMk/>
-            <pc:sldMk cId="3194443322" sldId="274"/>
-            <ac:picMk id="3" creationId="{49708ABC-3153-EEF0-2230-915FFEF71C85}"/>
-          </ac:picMkLst>
-        </pc:picChg>
-      </pc:sldChg>
-      <pc:sldChg chg="addSp delSp mod setBg">
-        <pc:chgData name="Vitaly Shalem" userId="6204743627004406" providerId="LiveId" clId="{2C9A0960-E19D-45C1-BDBD-503DAEA14992}" dt="2023-06-22T12:04:56.061" v="79"/>
-        <pc:sldMkLst>
-          <pc:docMk/>
-          <pc:sldMk cId="1483936342" sldId="275"/>
-        </pc:sldMkLst>
-        <pc:picChg chg="add del">
-          <ac:chgData name="Vitaly Shalem" userId="6204743627004406" providerId="LiveId" clId="{2C9A0960-E19D-45C1-BDBD-503DAEA14992}" dt="2023-06-22T12:04:52.114" v="77" actId="21"/>
-          <ac:picMkLst>
-            <pc:docMk/>
-            <pc:sldMk cId="1483936342" sldId="275"/>
-            <ac:picMk id="2" creationId="{A50D04F4-5E60-8F50-B34A-386CB7EDCF00}"/>
-          </ac:picMkLst>
-        </pc:picChg>
-      </pc:sldChg>
-      <pc:sldChg chg="setBg">
-        <pc:chgData name="Vitaly Shalem" userId="6204743627004406" providerId="LiveId" clId="{2C9A0960-E19D-45C1-BDBD-503DAEA14992}" dt="2023-06-22T12:04:15.217" v="72"/>
-        <pc:sldMkLst>
-          <pc:docMk/>
-          <pc:sldMk cId="364462967" sldId="276"/>
-        </pc:sldMkLst>
-      </pc:sldChg>
-      <pc:sldChg chg="addSp delSp mod setBg">
-        <pc:chgData name="Vitaly Shalem" userId="6204743627004406" providerId="LiveId" clId="{2C9A0960-E19D-45C1-BDBD-503DAEA14992}" dt="2023-06-22T12:04:10.514" v="70"/>
-        <pc:sldMkLst>
-          <pc:docMk/>
-          <pc:sldMk cId="3751409535" sldId="277"/>
-        </pc:sldMkLst>
-        <pc:picChg chg="add del">
-          <ac:chgData name="Vitaly Shalem" userId="6204743627004406" providerId="LiveId" clId="{2C9A0960-E19D-45C1-BDBD-503DAEA14992}" dt="2023-06-22T12:03:27.496" v="62" actId="21"/>
-          <ac:picMkLst>
-            <pc:docMk/>
-            <pc:sldMk cId="3751409535" sldId="277"/>
-            <ac:picMk id="2" creationId="{958A2D91-D0AA-4FBE-3205-0CCC48EAAD71}"/>
-          </ac:picMkLst>
-        </pc:picChg>
-        <pc:picChg chg="add del">
-          <ac:chgData name="Vitaly Shalem" userId="6204743627004406" providerId="LiveId" clId="{2C9A0960-E19D-45C1-BDBD-503DAEA14992}" dt="2023-06-22T12:03:59.922" v="66" actId="21"/>
-          <ac:picMkLst>
-            <pc:docMk/>
-            <pc:sldMk cId="3751409535" sldId="277"/>
-            <ac:picMk id="4" creationId="{FF0FA6A2-9724-4C87-4AAE-AC8CF9708093}"/>
-          </ac:picMkLst>
-        </pc:picChg>
-      </pc:sldChg>
-      <pc:sldChg chg="addSp modSp mod">
-        <pc:chgData name="Vitaly Shalem" userId="6204743627004406" providerId="LiveId" clId="{2C9A0960-E19D-45C1-BDBD-503DAEA14992}" dt="2023-06-21T21:08:57.249" v="47" actId="571"/>
-        <pc:sldMkLst>
-          <pc:docMk/>
-          <pc:sldMk cId="209697400" sldId="278"/>
-        </pc:sldMkLst>
-        <pc:spChg chg="add mod">
-          <ac:chgData name="Vitaly Shalem" userId="6204743627004406" providerId="LiveId" clId="{2C9A0960-E19D-45C1-BDBD-503DAEA14992}" dt="2023-06-21T21:08:49.995" v="46" actId="20577"/>
-          <ac:spMkLst>
-            <pc:docMk/>
-            <pc:sldMk cId="209697400" sldId="278"/>
-            <ac:spMk id="3" creationId="{04BDC77F-0F43-16DE-7E8D-CB204EF27F08}"/>
-          </ac:spMkLst>
-        </pc:spChg>
-        <pc:spChg chg="add mod">
-          <ac:chgData name="Vitaly Shalem" userId="6204743627004406" providerId="LiveId" clId="{2C9A0960-E19D-45C1-BDBD-503DAEA14992}" dt="2023-06-21T21:08:57.249" v="47" actId="571"/>
-          <ac:spMkLst>
-            <pc:docMk/>
-            <pc:sldMk cId="209697400" sldId="278"/>
-            <ac:spMk id="5" creationId="{F1E1ED08-F2B6-6E04-43F2-5D305C0DD4D7}"/>
-          </ac:spMkLst>
-        </pc:spChg>
-        <pc:picChg chg="add mod">
-          <ac:chgData name="Vitaly Shalem" userId="6204743627004406" providerId="LiveId" clId="{2C9A0960-E19D-45C1-BDBD-503DAEA14992}" dt="2023-06-21T21:08:11.229" v="0"/>
-          <ac:picMkLst>
-            <pc:docMk/>
-            <pc:sldMk cId="209697400" sldId="278"/>
-            <ac:picMk id="2" creationId="{E358FFAC-1E1C-94EB-9E60-F5AF37416596}"/>
-          </ac:picMkLst>
-        </pc:picChg>
-        <pc:picChg chg="add mod">
-          <ac:chgData name="Vitaly Shalem" userId="6204743627004406" providerId="LiveId" clId="{2C9A0960-E19D-45C1-BDBD-503DAEA14992}" dt="2023-06-21T21:08:57.249" v="47" actId="571"/>
-          <ac:picMkLst>
-            <pc:docMk/>
-            <pc:sldMk cId="209697400" sldId="278"/>
-            <ac:picMk id="4" creationId="{5CFBF397-0336-7376-FB15-5B5863B9E683}"/>
-          </ac:picMkLst>
-        </pc:picChg>
-      </pc:sldChg>
-    </pc:docChg>
-  </pc:docChgLst>
-  <pc:docChgLst>
-    <pc:chgData name="Vitaly Shalem" userId="6204743627004406" providerId="LiveId" clId="{7A728C9E-955F-4798-8429-9FDAD378C401}"/>
-    <pc:docChg chg="undo custSel addSld delSld modSld sldOrd">
-      <pc:chgData name="Vitaly Shalem" userId="6204743627004406" providerId="LiveId" clId="{7A728C9E-955F-4798-8429-9FDAD378C401}" dt="2023-06-21T17:46:45.747" v="665"/>
-      <pc:docMkLst>
-        <pc:docMk/>
-      </pc:docMkLst>
-      <pc:sldChg chg="addSp delSp modSp del mod">
-        <pc:chgData name="Vitaly Shalem" userId="6204743627004406" providerId="LiveId" clId="{7A728C9E-955F-4798-8429-9FDAD378C401}" dt="2023-06-21T05:20:00.300" v="227" actId="47"/>
-        <pc:sldMkLst>
-          <pc:docMk/>
-          <pc:sldMk cId="1679882250" sldId="264"/>
-        </pc:sldMkLst>
-        <pc:spChg chg="add del mod">
-          <ac:chgData name="Vitaly Shalem" userId="6204743627004406" providerId="LiveId" clId="{7A728C9E-955F-4798-8429-9FDAD378C401}" dt="2023-06-21T05:17:26.375" v="212"/>
-          <ac:spMkLst>
-            <pc:docMk/>
-            <pc:sldMk cId="1679882250" sldId="264"/>
-            <ac:spMk id="2" creationId="{B171E85C-EBBA-2B41-D9B7-7CA35195FF25}"/>
-          </ac:spMkLst>
-        </pc:spChg>
-        <pc:spChg chg="del">
-          <ac:chgData name="Vitaly Shalem" userId="6204743627004406" providerId="LiveId" clId="{7A728C9E-955F-4798-8429-9FDAD378C401}" dt="2023-06-20T21:59:30.101" v="17" actId="478"/>
-          <ac:spMkLst>
-            <pc:docMk/>
-            <pc:sldMk cId="1679882250" sldId="264"/>
-            <ac:spMk id="2" creationId="{B95BE13C-FF3C-9B21-941E-6D89304D365F}"/>
-          </ac:spMkLst>
-        </pc:spChg>
-        <pc:spChg chg="add del mod">
-          <ac:chgData name="Vitaly Shalem" userId="6204743627004406" providerId="LiveId" clId="{7A728C9E-955F-4798-8429-9FDAD378C401}" dt="2023-06-21T05:17:26.375" v="212"/>
-          <ac:spMkLst>
-            <pc:docMk/>
-            <pc:sldMk cId="1679882250" sldId="264"/>
-            <ac:spMk id="3" creationId="{DFDFBB42-F555-629B-AD6F-EF3F02896FBB}"/>
-          </ac:spMkLst>
-        </pc:spChg>
-      </pc:sldChg>
-      <pc:sldChg chg="addSp delSp modSp mod modClrScheme chgLayout">
-        <pc:chgData name="Vitaly Shalem" userId="6204743627004406" providerId="LiveId" clId="{7A728C9E-955F-4798-8429-9FDAD378C401}" dt="2023-06-21T08:30:55.189" v="642" actId="478"/>
-        <pc:sldMkLst>
-          <pc:docMk/>
-          <pc:sldMk cId="1875466611" sldId="269"/>
-        </pc:sldMkLst>
-        <pc:spChg chg="del mod ord">
-          <ac:chgData name="Vitaly Shalem" userId="6204743627004406" providerId="LiveId" clId="{7A728C9E-955F-4798-8429-9FDAD378C401}" dt="2023-06-21T08:30:55.189" v="642" actId="478"/>
-          <ac:spMkLst>
-            <pc:docMk/>
-            <pc:sldMk cId="1875466611" sldId="269"/>
-            <ac:spMk id="2" creationId="{5BC68779-07CF-B47B-B478-CF25EEAC0C9D}"/>
-          </ac:spMkLst>
-        </pc:spChg>
-        <pc:spChg chg="add mod ord">
-          <ac:chgData name="Vitaly Shalem" userId="6204743627004406" providerId="LiveId" clId="{7A728C9E-955F-4798-8429-9FDAD378C401}" dt="2023-06-21T05:11:54.715" v="143" actId="14838"/>
-          <ac:spMkLst>
-            <pc:docMk/>
-            <pc:sldMk cId="1875466611" sldId="269"/>
-            <ac:spMk id="3" creationId="{0F27484B-8ADF-3396-8761-F261B1CB5820}"/>
-          </ac:spMkLst>
-        </pc:spChg>
-        <pc:spChg chg="add mod ord">
-          <ac:chgData name="Vitaly Shalem" userId="6204743627004406" providerId="LiveId" clId="{7A728C9E-955F-4798-8429-9FDAD378C401}" dt="2023-06-21T05:12:28.740" v="150" actId="20577"/>
-          <ac:spMkLst>
-            <pc:docMk/>
-            <pc:sldMk cId="1875466611" sldId="269"/>
-            <ac:spMk id="4" creationId="{64B29F97-AFE5-29C9-EC6D-39D6F340C41E}"/>
-          </ac:spMkLst>
-        </pc:spChg>
-      </pc:sldChg>
-      <pc:sldChg chg="add del">
-        <pc:chgData name="Vitaly Shalem" userId="6204743627004406" providerId="LiveId" clId="{7A728C9E-955F-4798-8429-9FDAD378C401}" dt="2023-06-21T05:18:57.573" v="216"/>
-        <pc:sldMkLst>
-          <pc:docMk/>
-          <pc:sldMk cId="857135902" sldId="270"/>
-        </pc:sldMkLst>
-      </pc:sldChg>
-      <pc:sldChg chg="delSp modSp del mod">
-        <pc:chgData name="Vitaly Shalem" userId="6204743627004406" providerId="LiveId" clId="{7A728C9E-955F-4798-8429-9FDAD378C401}" dt="2023-06-21T05:20:00.300" v="227" actId="47"/>
-        <pc:sldMkLst>
-          <pc:docMk/>
-          <pc:sldMk cId="1977657001" sldId="271"/>
-        </pc:sldMkLst>
-        <pc:spChg chg="del mod">
-          <ac:chgData name="Vitaly Shalem" userId="6204743627004406" providerId="LiveId" clId="{7A728C9E-955F-4798-8429-9FDAD378C401}" dt="2023-06-20T21:59:26.563" v="16" actId="478"/>
-          <ac:spMkLst>
-            <pc:docMk/>
-            <pc:sldMk cId="1977657001" sldId="271"/>
-            <ac:spMk id="2" creationId="{6F26AB80-D56D-6821-670C-2AB803B1A24E}"/>
-          </ac:spMkLst>
-        </pc:spChg>
-      </pc:sldChg>
-      <pc:sldChg chg="addSp delSp modSp mod modClrScheme chgLayout">
-        <pc:chgData name="Vitaly Shalem" userId="6204743627004406" providerId="LiveId" clId="{7A728C9E-955F-4798-8429-9FDAD378C401}" dt="2023-06-21T08:31:11.591" v="645" actId="478"/>
-        <pc:sldMkLst>
-          <pc:docMk/>
-          <pc:sldMk cId="1937330932" sldId="272"/>
-        </pc:sldMkLst>
-        <pc:spChg chg="del mod ord">
-          <ac:chgData name="Vitaly Shalem" userId="6204743627004406" providerId="LiveId" clId="{7A728C9E-955F-4798-8429-9FDAD378C401}" dt="2023-06-21T08:31:11.591" v="645" actId="478"/>
-          <ac:spMkLst>
-            <pc:docMk/>
-            <pc:sldMk cId="1937330932" sldId="272"/>
-            <ac:spMk id="2" creationId="{8A5ED7C9-311D-CE7F-9F66-44B746D0742C}"/>
-          </ac:spMkLst>
-        </pc:spChg>
-        <pc:spChg chg="add mod ord">
-          <ac:chgData name="Vitaly Shalem" userId="6204743627004406" providerId="LiveId" clId="{7A728C9E-955F-4798-8429-9FDAD378C401}" dt="2023-06-21T08:17:52.118" v="534" actId="14100"/>
-          <ac:spMkLst>
-            <pc:docMk/>
-            <pc:sldMk cId="1937330932" sldId="272"/>
-            <ac:spMk id="3" creationId="{DB08EF66-B8E9-4612-5318-2D1A98BD83C6}"/>
-          </ac:spMkLst>
-        </pc:spChg>
-        <pc:spChg chg="add mod ord">
-          <ac:chgData name="Vitaly Shalem" userId="6204743627004406" providerId="LiveId" clId="{7A728C9E-955F-4798-8429-9FDAD378C401}" dt="2023-06-21T08:17:38.741" v="532" actId="1076"/>
-          <ac:spMkLst>
-            <pc:docMk/>
-            <pc:sldMk cId="1937330932" sldId="272"/>
-            <ac:spMk id="4" creationId="{04CECF47-8B73-4C76-D44A-645CAC4DCC65}"/>
-          </ac:spMkLst>
-        </pc:spChg>
-        <pc:spChg chg="add mod">
-          <ac:chgData name="Vitaly Shalem" userId="6204743627004406" providerId="LiveId" clId="{7A728C9E-955F-4798-8429-9FDAD378C401}" dt="2023-06-21T05:53:25.468" v="531" actId="20577"/>
-          <ac:spMkLst>
-            <pc:docMk/>
-            <pc:sldMk cId="1937330932" sldId="272"/>
-            <ac:spMk id="5" creationId="{80A2495F-ABC0-14E8-BD8A-28C054D22EFC}"/>
-          </ac:spMkLst>
-        </pc:spChg>
-      </pc:sldChg>
-      <pc:sldChg chg="addSp delSp modSp mod">
-        <pc:chgData name="Vitaly Shalem" userId="6204743627004406" providerId="LiveId" clId="{7A728C9E-955F-4798-8429-9FDAD378C401}" dt="2023-06-21T05:48:52.711" v="512" actId="1076"/>
-        <pc:sldMkLst>
-          <pc:docMk/>
-          <pc:sldMk cId="3256684687" sldId="273"/>
-        </pc:sldMkLst>
-        <pc:spChg chg="add mod">
-          <ac:chgData name="Vitaly Shalem" userId="6204743627004406" providerId="LiveId" clId="{7A728C9E-955F-4798-8429-9FDAD378C401}" dt="2023-06-21T05:48:52.711" v="512" actId="1076"/>
-          <ac:spMkLst>
-            <pc:docMk/>
-            <pc:sldMk cId="3256684687" sldId="273"/>
-            <ac:spMk id="2" creationId="{D1004AED-FDDC-8330-232B-9B9DC8DBCF05}"/>
-          </ac:spMkLst>
-        </pc:spChg>
-        <pc:spChg chg="del">
-          <ac:chgData name="Vitaly Shalem" userId="6204743627004406" providerId="LiveId" clId="{7A728C9E-955F-4798-8429-9FDAD378C401}" dt="2023-06-20T22:00:29.602" v="27" actId="478"/>
-          <ac:spMkLst>
-            <pc:docMk/>
-            <pc:sldMk cId="3256684687" sldId="273"/>
-            <ac:spMk id="2" creationId="{EF395A16-4556-9053-D184-2222099012C8}"/>
-          </ac:spMkLst>
-        </pc:spChg>
-        <pc:spChg chg="add mod">
-          <ac:chgData name="Vitaly Shalem" userId="6204743627004406" providerId="LiveId" clId="{7A728C9E-955F-4798-8429-9FDAD378C401}" dt="2023-06-21T05:41:03.515" v="498"/>
-          <ac:spMkLst>
-            <pc:docMk/>
-            <pc:sldMk cId="3256684687" sldId="273"/>
-            <ac:spMk id="3" creationId="{E7587115-9F86-9211-07CD-635B6348826A}"/>
-          </ac:spMkLst>
-        </pc:spChg>
-      </pc:sldChg>
-      <pc:sldChg chg="addSp delSp modSp mod ord modClrScheme chgLayout">
-        <pc:chgData name="Vitaly Shalem" userId="6204743627004406" providerId="LiveId" clId="{7A728C9E-955F-4798-8429-9FDAD378C401}" dt="2023-06-21T17:46:45.747" v="665"/>
-        <pc:sldMkLst>
-          <pc:docMk/>
-          <pc:sldMk cId="3194443322" sldId="274"/>
-        </pc:sldMkLst>
-        <pc:spChg chg="add mod">
-          <ac:chgData name="Vitaly Shalem" userId="6204743627004406" providerId="LiveId" clId="{7A728C9E-955F-4798-8429-9FDAD378C401}" dt="2023-06-21T08:31:45.708" v="647"/>
-          <ac:spMkLst>
-            <pc:docMk/>
-            <pc:sldMk cId="3194443322" sldId="274"/>
-            <ac:spMk id="2" creationId="{2F876C87-5E1D-9F60-C85A-ED3DAE21A2B4}"/>
-          </ac:spMkLst>
-        </pc:spChg>
-        <pc:spChg chg="add del mod ord">
-          <ac:chgData name="Vitaly Shalem" userId="6204743627004406" providerId="LiveId" clId="{7A728C9E-955F-4798-8429-9FDAD378C401}" dt="2023-06-21T05:26:27.584" v="282" actId="478"/>
-          <ac:spMkLst>
-            <pc:docMk/>
-            <pc:sldMk cId="3194443322" sldId="274"/>
-            <ac:spMk id="2" creationId="{CE37A792-D33B-0076-A322-63081E6CDAE3}"/>
-          </ac:spMkLst>
-        </pc:spChg>
-        <pc:spChg chg="del mod">
-          <ac:chgData name="Vitaly Shalem" userId="6204743627004406" providerId="LiveId" clId="{7A728C9E-955F-4798-8429-9FDAD378C401}" dt="2023-06-20T21:59:46.768" v="19" actId="478"/>
-          <ac:spMkLst>
-            <pc:docMk/>
-            <pc:sldMk cId="3194443322" sldId="274"/>
-            <ac:spMk id="2" creationId="{E861982A-047C-D98D-F558-CDCB487EB355}"/>
-          </ac:spMkLst>
-        </pc:spChg>
-        <pc:spChg chg="add del mod">
-          <ac:chgData name="Vitaly Shalem" userId="6204743627004406" providerId="LiveId" clId="{7A728C9E-955F-4798-8429-9FDAD378C401}" dt="2023-06-21T08:21:42.481" v="634" actId="478"/>
-          <ac:spMkLst>
-            <pc:docMk/>
-            <pc:sldMk cId="3194443322" sldId="274"/>
-            <ac:spMk id="3" creationId="{4DB134D1-0B16-6CAF-1695-7F767DC9DD3F}"/>
-          </ac:spMkLst>
-        </pc:spChg>
-        <pc:spChg chg="add del mod ord">
-          <ac:chgData name="Vitaly Shalem" userId="6204743627004406" providerId="LiveId" clId="{7A728C9E-955F-4798-8429-9FDAD378C401}" dt="2023-06-21T05:41:17.836" v="499" actId="478"/>
-          <ac:spMkLst>
-            <pc:docMk/>
-            <pc:sldMk cId="3194443322" sldId="274"/>
-            <ac:spMk id="3" creationId="{FAE14911-3201-4E9E-1D77-BEBA7F6B7E83}"/>
-          </ac:spMkLst>
-        </pc:spChg>
-        <pc:spChg chg="add del mod ord">
-          <ac:chgData name="Vitaly Shalem" userId="6204743627004406" providerId="LiveId" clId="{7A728C9E-955F-4798-8429-9FDAD378C401}" dt="2023-06-21T05:26:57.872" v="298" actId="21"/>
-          <ac:spMkLst>
-            <pc:docMk/>
-            <pc:sldMk cId="3194443322" sldId="274"/>
-            <ac:spMk id="4" creationId="{BD27A6A2-C53A-5F2A-A1BA-5B7B89199927}"/>
-          </ac:spMkLst>
-        </pc:spChg>
-        <pc:spChg chg="add del mod">
-          <ac:chgData name="Vitaly Shalem" userId="6204743627004406" providerId="LiveId" clId="{7A728C9E-955F-4798-8429-9FDAD378C401}" dt="2023-06-21T08:21:40.648" v="633" actId="478"/>
-          <ac:spMkLst>
-            <pc:docMk/>
-            <pc:sldMk cId="3194443322" sldId="274"/>
-            <ac:spMk id="5" creationId="{4C4D6D19-867C-6715-B228-4053FC3FA44E}"/>
-          </ac:spMkLst>
-        </pc:spChg>
-        <pc:spChg chg="add del mod">
-          <ac:chgData name="Vitaly Shalem" userId="6204743627004406" providerId="LiveId" clId="{7A728C9E-955F-4798-8429-9FDAD378C401}" dt="2023-06-21T05:27:01.761" v="299" actId="478"/>
-          <ac:spMkLst>
-            <pc:docMk/>
-            <pc:sldMk cId="3194443322" sldId="274"/>
-            <ac:spMk id="6" creationId="{7158CE25-45BC-017C-8CD5-966E160B8A83}"/>
-          </ac:spMkLst>
-        </pc:spChg>
-        <pc:spChg chg="add del mod">
-          <ac:chgData name="Vitaly Shalem" userId="6204743627004406" providerId="LiveId" clId="{7A728C9E-955F-4798-8429-9FDAD378C401}" dt="2023-06-21T08:21:58.281" v="636" actId="478"/>
-          <ac:spMkLst>
-            <pc:docMk/>
-            <pc:sldMk cId="3194443322" sldId="274"/>
-            <ac:spMk id="6" creationId="{C6DE20BF-F8E0-8A11-1530-71FBEEEF82FA}"/>
-          </ac:spMkLst>
-        </pc:spChg>
-        <pc:spChg chg="add del mod ord">
-          <ac:chgData name="Vitaly Shalem" userId="6204743627004406" providerId="LiveId" clId="{7A728C9E-955F-4798-8429-9FDAD378C401}" dt="2023-06-21T08:21:36.344" v="632" actId="478"/>
-          <ac:spMkLst>
-            <pc:docMk/>
-            <pc:sldMk cId="3194443322" sldId="274"/>
-            <ac:spMk id="7" creationId="{79E6B7DC-1C5B-30F0-BE1D-72F16DC37711}"/>
-          </ac:spMkLst>
-        </pc:spChg>
-        <pc:spChg chg="add del mod ord">
-          <ac:chgData name="Vitaly Shalem" userId="6204743627004406" providerId="LiveId" clId="{7A728C9E-955F-4798-8429-9FDAD378C401}" dt="2023-06-21T08:21:36.344" v="632" actId="478"/>
-          <ac:spMkLst>
-            <pc:docMk/>
-            <pc:sldMk cId="3194443322" sldId="274"/>
-            <ac:spMk id="8" creationId="{82E08EC9-05B3-7605-6A1E-CAAE6B0D7486}"/>
-          </ac:spMkLst>
-        </pc:spChg>
-        <pc:spChg chg="add del mod ord">
-          <ac:chgData name="Vitaly Shalem" userId="6204743627004406" providerId="LiveId" clId="{7A728C9E-955F-4798-8429-9FDAD378C401}" dt="2023-06-21T08:31:33.832" v="646" actId="478"/>
-          <ac:spMkLst>
-            <pc:docMk/>
-            <pc:sldMk cId="3194443322" sldId="274"/>
-            <ac:spMk id="9" creationId="{18DA17CE-3776-6D93-CABE-00B727ACAC51}"/>
-          </ac:spMkLst>
-        </pc:spChg>
-        <pc:spChg chg="add del mod">
-          <ac:chgData name="Vitaly Shalem" userId="6204743627004406" providerId="LiveId" clId="{7A728C9E-955F-4798-8429-9FDAD378C401}" dt="2023-06-21T08:22:03.968" v="638" actId="478"/>
-          <ac:spMkLst>
-            <pc:docMk/>
-            <pc:sldMk cId="3194443322" sldId="274"/>
-            <ac:spMk id="10" creationId="{09015B4E-9309-5895-50A6-C6324E4D94BC}"/>
-          </ac:spMkLst>
-        </pc:spChg>
-        <pc:spChg chg="add mod">
-          <ac:chgData name="Vitaly Shalem" userId="6204743627004406" providerId="LiveId" clId="{7A728C9E-955F-4798-8429-9FDAD378C401}" dt="2023-06-21T05:42:40.968" v="505" actId="571"/>
-          <ac:spMkLst>
-            <pc:docMk/>
-            <pc:sldMk cId="3194443322" sldId="274"/>
-            <ac:spMk id="10" creationId="{643C57CF-4B8C-4B20-5082-E519E22FCDCA}"/>
-          </ac:spMkLst>
-        </pc:spChg>
-        <pc:spChg chg="add mod">
-          <ac:chgData name="Vitaly Shalem" userId="6204743627004406" providerId="LiveId" clId="{7A728C9E-955F-4798-8429-9FDAD378C401}" dt="2023-06-21T05:42:40.968" v="505" actId="571"/>
-          <ac:spMkLst>
-            <pc:docMk/>
-            <pc:sldMk cId="3194443322" sldId="274"/>
-            <ac:spMk id="11" creationId="{5B176E62-DA83-E885-C908-A60A222B0DD9}"/>
-          </ac:spMkLst>
-        </pc:spChg>
-        <pc:spChg chg="add mod">
-          <ac:chgData name="Vitaly Shalem" userId="6204743627004406" providerId="LiveId" clId="{7A728C9E-955F-4798-8429-9FDAD378C401}" dt="2023-06-21T05:42:40.968" v="505" actId="571"/>
-          <ac:spMkLst>
-            <pc:docMk/>
-            <pc:sldMk cId="3194443322" sldId="274"/>
-            <ac:spMk id="12" creationId="{29679778-F02D-B653-3556-43A971EF7B5F}"/>
-          </ac:spMkLst>
-        </pc:spChg>
-        <pc:spChg chg="add del mod">
-          <ac:chgData name="Vitaly Shalem" userId="6204743627004406" providerId="LiveId" clId="{7A728C9E-955F-4798-8429-9FDAD378C401}" dt="2023-06-21T08:22:01.401" v="637" actId="478"/>
-          <ac:spMkLst>
-            <pc:docMk/>
-            <pc:sldMk cId="3194443322" sldId="274"/>
-            <ac:spMk id="12" creationId="{D4486646-B51B-E42C-CE98-66A503E79667}"/>
-          </ac:spMkLst>
-        </pc:spChg>
-        <pc:spChg chg="add del mod">
-          <ac:chgData name="Vitaly Shalem" userId="6204743627004406" providerId="LiveId" clId="{7A728C9E-955F-4798-8429-9FDAD378C401}" dt="2023-06-21T08:22:17.995" v="639" actId="478"/>
-          <ac:spMkLst>
-            <pc:docMk/>
-            <pc:sldMk cId="3194443322" sldId="274"/>
-            <ac:spMk id="14" creationId="{3B3F3603-8B9D-1C76-1D7C-B87F95422288}"/>
-          </ac:spMkLst>
-        </pc:spChg>
-        <pc:spChg chg="add mod">
-          <ac:chgData name="Vitaly Shalem" userId="6204743627004406" providerId="LiveId" clId="{7A728C9E-955F-4798-8429-9FDAD378C401}" dt="2023-06-21T08:22:26.313" v="641"/>
-          <ac:spMkLst>
-            <pc:docMk/>
-            <pc:sldMk cId="3194443322" sldId="274"/>
-            <ac:spMk id="15" creationId="{886A08B4-E222-78D8-ADA6-2C5D5C03870B}"/>
-          </ac:spMkLst>
-        </pc:spChg>
-        <pc:spChg chg="add mod">
-          <ac:chgData name="Vitaly Shalem" userId="6204743627004406" providerId="LiveId" clId="{7A728C9E-955F-4798-8429-9FDAD378C401}" dt="2023-06-21T08:22:26.313" v="641"/>
-          <ac:spMkLst>
-            <pc:docMk/>
-            <pc:sldMk cId="3194443322" sldId="274"/>
-            <ac:spMk id="16" creationId="{3C685C92-4D7B-E3EA-F285-AD3FE8814473}"/>
-          </ac:spMkLst>
-        </pc:spChg>
-      </pc:sldChg>
-      <pc:sldChg chg="addSp delSp modSp mod">
-        <pc:chgData name="Vitaly Shalem" userId="6204743627004406" providerId="LiveId" clId="{7A728C9E-955F-4798-8429-9FDAD378C401}" dt="2023-06-21T08:21:07.461" v="629"/>
-        <pc:sldMkLst>
-          <pc:docMk/>
-          <pc:sldMk cId="1483936342" sldId="275"/>
-        </pc:sldMkLst>
-        <pc:spChg chg="add del mod">
-          <ac:chgData name="Vitaly Shalem" userId="6204743627004406" providerId="LiveId" clId="{7A728C9E-955F-4798-8429-9FDAD378C401}" dt="2023-06-21T08:18:13.125" v="535" actId="478"/>
-          <ac:spMkLst>
-            <pc:docMk/>
-            <pc:sldMk cId="1483936342" sldId="275"/>
-            <ac:spMk id="2" creationId="{07A47D99-D34C-168B-C37F-3F3C28FDBF25}"/>
-          </ac:spMkLst>
-        </pc:spChg>
-        <pc:spChg chg="del">
-          <ac:chgData name="Vitaly Shalem" userId="6204743627004406" providerId="LiveId" clId="{7A728C9E-955F-4798-8429-9FDAD378C401}" dt="2023-06-20T21:59:57.489" v="21" actId="478"/>
-          <ac:spMkLst>
-            <pc:docMk/>
-            <pc:sldMk cId="1483936342" sldId="275"/>
-            <ac:spMk id="2" creationId="{11362F2D-43C8-0179-77A3-D0344EDA2E42}"/>
-          </ac:spMkLst>
-        </pc:spChg>
-        <pc:spChg chg="add mod">
-          <ac:chgData name="Vitaly Shalem" userId="6204743627004406" providerId="LiveId" clId="{7A728C9E-955F-4798-8429-9FDAD378C401}" dt="2023-06-20T21:59:58.701" v="22"/>
-          <ac:spMkLst>
-            <pc:docMk/>
-            <pc:sldMk cId="1483936342" sldId="275"/>
-            <ac:spMk id="3" creationId="{3C3DDF1E-6212-E857-8814-B341D2EE998C}"/>
-          </ac:spMkLst>
-        </pc:spChg>
-        <pc:spChg chg="add del mod">
-          <ac:chgData name="Vitaly Shalem" userId="6204743627004406" providerId="LiveId" clId="{7A728C9E-955F-4798-8429-9FDAD378C401}" dt="2023-06-21T08:18:15.328" v="536" actId="478"/>
-          <ac:spMkLst>
-            <pc:docMk/>
-            <pc:sldMk cId="1483936342" sldId="275"/>
-            <ac:spMk id="4" creationId="{D7C2D63D-B33B-D5F0-9B12-0AFDD3FF81C4}"/>
-          </ac:spMkLst>
-        </pc:spChg>
-        <pc:spChg chg="add del mod">
-          <ac:chgData name="Vitaly Shalem" userId="6204743627004406" providerId="LiveId" clId="{7A728C9E-955F-4798-8429-9FDAD378C401}" dt="2023-06-21T08:20:24.780" v="622" actId="478"/>
-          <ac:spMkLst>
-            <pc:docMk/>
-            <pc:sldMk cId="1483936342" sldId="275"/>
-            <ac:spMk id="5" creationId="{B43A2A87-337F-9989-532B-E09280CE5AE8}"/>
-          </ac:spMkLst>
-        </pc:spChg>
-        <pc:spChg chg="add del mod">
-          <ac:chgData name="Vitaly Shalem" userId="6204743627004406" providerId="LiveId" clId="{7A728C9E-955F-4798-8429-9FDAD378C401}" dt="2023-06-21T08:20:24.780" v="622" actId="478"/>
-          <ac:spMkLst>
-            <pc:docMk/>
-            <pc:sldMk cId="1483936342" sldId="275"/>
-            <ac:spMk id="6" creationId="{B939B85A-0813-0B49-FF48-8943F15C212A}"/>
-          </ac:spMkLst>
-        </pc:spChg>
-        <pc:spChg chg="add mod">
-          <ac:chgData name="Vitaly Shalem" userId="6204743627004406" providerId="LiveId" clId="{7A728C9E-955F-4798-8429-9FDAD378C401}" dt="2023-06-21T08:21:07.461" v="629"/>
-          <ac:spMkLst>
-            <pc:docMk/>
-            <pc:sldMk cId="1483936342" sldId="275"/>
-            <ac:spMk id="7" creationId="{2796D9AB-0532-A7B7-89F0-ADA0EC8C81C8}"/>
-          </ac:spMkLst>
-        </pc:spChg>
-        <pc:spChg chg="add mod">
-          <ac:chgData name="Vitaly Shalem" userId="6204743627004406" providerId="LiveId" clId="{7A728C9E-955F-4798-8429-9FDAD378C401}" dt="2023-06-21T08:21:07.461" v="629"/>
-          <ac:spMkLst>
-            <pc:docMk/>
-            <pc:sldMk cId="1483936342" sldId="275"/>
-            <ac:spMk id="8" creationId="{9969D63C-D951-D12F-655E-3E30A1020985}"/>
-          </ac:spMkLst>
-        </pc:spChg>
-      </pc:sldChg>
-      <pc:sldChg chg="addSp delSp modSp mod">
-        <pc:chgData name="Vitaly Shalem" userId="6204743627004406" providerId="LiveId" clId="{7A728C9E-955F-4798-8429-9FDAD378C401}" dt="2023-06-21T08:21:21.555" v="630"/>
-        <pc:sldMkLst>
-          <pc:docMk/>
-          <pc:sldMk cId="364462967" sldId="276"/>
-        </pc:sldMkLst>
-        <pc:spChg chg="del">
-          <ac:chgData name="Vitaly Shalem" userId="6204743627004406" providerId="LiveId" clId="{7A728C9E-955F-4798-8429-9FDAD378C401}" dt="2023-06-20T22:00:03.529" v="23" actId="478"/>
-          <ac:spMkLst>
-            <pc:docMk/>
-            <pc:sldMk cId="364462967" sldId="276"/>
-            <ac:spMk id="2" creationId="{4644072B-110B-D0E0-E18C-985FAC2F12AB}"/>
-          </ac:spMkLst>
-        </pc:spChg>
-        <pc:spChg chg="add del mod">
-          <ac:chgData name="Vitaly Shalem" userId="6204743627004406" providerId="LiveId" clId="{7A728C9E-955F-4798-8429-9FDAD378C401}" dt="2023-06-21T08:18:22.590" v="538" actId="478"/>
-          <ac:spMkLst>
-            <pc:docMk/>
-            <pc:sldMk cId="364462967" sldId="276"/>
-            <ac:spMk id="2" creationId="{F7E53E94-D8C1-CD43-5CE3-4E1BE62E6AB0}"/>
-          </ac:spMkLst>
-        </pc:spChg>
-        <pc:spChg chg="add mod">
-          <ac:chgData name="Vitaly Shalem" userId="6204743627004406" providerId="LiveId" clId="{7A728C9E-955F-4798-8429-9FDAD378C401}" dt="2023-06-20T22:00:04.426" v="24"/>
-          <ac:spMkLst>
-            <pc:docMk/>
-            <pc:sldMk cId="364462967" sldId="276"/>
-            <ac:spMk id="3" creationId="{404FA377-124B-D3EE-FAD5-9AB5557B7589}"/>
-          </ac:spMkLst>
-        </pc:spChg>
-        <pc:spChg chg="add del mod">
-          <ac:chgData name="Vitaly Shalem" userId="6204743627004406" providerId="LiveId" clId="{7A728C9E-955F-4798-8429-9FDAD378C401}" dt="2023-06-21T08:18:20.021" v="537" actId="478"/>
-          <ac:spMkLst>
-            <pc:docMk/>
-            <pc:sldMk cId="364462967" sldId="276"/>
-            <ac:spMk id="4" creationId="{85D9D802-1F3D-6555-43BA-966AC00919DE}"/>
-          </ac:spMkLst>
-        </pc:spChg>
-        <pc:spChg chg="add del mod">
-          <ac:chgData name="Vitaly Shalem" userId="6204743627004406" providerId="LiveId" clId="{7A728C9E-955F-4798-8429-9FDAD378C401}" dt="2023-06-21T08:20:31.602" v="623" actId="478"/>
-          <ac:spMkLst>
-            <pc:docMk/>
-            <pc:sldMk cId="364462967" sldId="276"/>
-            <ac:spMk id="5" creationId="{88545F3C-A9FA-DC0C-46EA-2AD4E3A004E0}"/>
-          </ac:spMkLst>
-        </pc:spChg>
-        <pc:spChg chg="add del mod">
-          <ac:chgData name="Vitaly Shalem" userId="6204743627004406" providerId="LiveId" clId="{7A728C9E-955F-4798-8429-9FDAD378C401}" dt="2023-06-21T08:20:34.586" v="624" actId="478"/>
-          <ac:spMkLst>
-            <pc:docMk/>
-            <pc:sldMk cId="364462967" sldId="276"/>
-            <ac:spMk id="6" creationId="{ED6309DB-AC92-3AA1-4CBE-F1BDFC687795}"/>
-          </ac:spMkLst>
-        </pc:spChg>
-        <pc:spChg chg="add mod">
-          <ac:chgData name="Vitaly Shalem" userId="6204743627004406" providerId="LiveId" clId="{7A728C9E-955F-4798-8429-9FDAD378C401}" dt="2023-06-21T08:21:21.555" v="630"/>
-          <ac:spMkLst>
-            <pc:docMk/>
-            <pc:sldMk cId="364462967" sldId="276"/>
-            <ac:spMk id="7" creationId="{1BAC39C1-F23A-C6BE-D46E-7621BEE437EC}"/>
-          </ac:spMkLst>
-        </pc:spChg>
-        <pc:spChg chg="add mod">
-          <ac:chgData name="Vitaly Shalem" userId="6204743627004406" providerId="LiveId" clId="{7A728C9E-955F-4798-8429-9FDAD378C401}" dt="2023-06-21T08:21:21.555" v="630"/>
-          <ac:spMkLst>
-            <pc:docMk/>
-            <pc:sldMk cId="364462967" sldId="276"/>
-            <ac:spMk id="8" creationId="{6EC61DE9-A364-1E70-35EE-6A3A4BBF2EB1}"/>
-          </ac:spMkLst>
-        </pc:spChg>
-      </pc:sldChg>
-      <pc:sldChg chg="addSp delSp modSp mod">
-        <pc:chgData name="Vitaly Shalem" userId="6204743627004406" providerId="LiveId" clId="{7A728C9E-955F-4798-8429-9FDAD378C401}" dt="2023-06-21T08:21:25.365" v="631"/>
-        <pc:sldMkLst>
-          <pc:docMk/>
-          <pc:sldMk cId="3751409535" sldId="277"/>
-        </pc:sldMkLst>
-        <pc:spChg chg="add del mod">
-          <ac:chgData name="Vitaly Shalem" userId="6204743627004406" providerId="LiveId" clId="{7A728C9E-955F-4798-8429-9FDAD378C401}" dt="2023-06-21T08:18:28.640" v="539" actId="478"/>
-          <ac:spMkLst>
-            <pc:docMk/>
-            <pc:sldMk cId="3751409535" sldId="277"/>
-            <ac:spMk id="2" creationId="{09F7EA4C-181C-DEF5-F411-031DABE3210B}"/>
-          </ac:spMkLst>
-        </pc:spChg>
-        <pc:spChg chg="del">
-          <ac:chgData name="Vitaly Shalem" userId="6204743627004406" providerId="LiveId" clId="{7A728C9E-955F-4798-8429-9FDAD378C401}" dt="2023-06-20T22:00:15.317" v="25" actId="478"/>
-          <ac:spMkLst>
-            <pc:docMk/>
-            <pc:sldMk cId="3751409535" sldId="277"/>
-            <ac:spMk id="2" creationId="{C484BB9A-7C28-B42F-C26B-2250792DE24A}"/>
-          </ac:spMkLst>
-        </pc:spChg>
-        <pc:spChg chg="add mod">
-          <ac:chgData name="Vitaly Shalem" userId="6204743627004406" providerId="LiveId" clId="{7A728C9E-955F-4798-8429-9FDAD378C401}" dt="2023-06-20T22:00:17.379" v="26"/>
-          <ac:spMkLst>
-            <pc:docMk/>
-            <pc:sldMk cId="3751409535" sldId="277"/>
-            <ac:spMk id="3" creationId="{0036874D-1788-A942-5857-54E7F4E1B2B6}"/>
-          </ac:spMkLst>
-        </pc:spChg>
-        <pc:spChg chg="add del mod">
-          <ac:chgData name="Vitaly Shalem" userId="6204743627004406" providerId="LiveId" clId="{7A728C9E-955F-4798-8429-9FDAD378C401}" dt="2023-06-21T08:18:31.811" v="540" actId="478"/>
-          <ac:spMkLst>
-            <pc:docMk/>
-            <pc:sldMk cId="3751409535" sldId="277"/>
-            <ac:spMk id="4" creationId="{F37F6F78-3775-B8E4-F715-FF155FB13413}"/>
-          </ac:spMkLst>
-        </pc:spChg>
-        <pc:spChg chg="add del mod">
-          <ac:chgData name="Vitaly Shalem" userId="6204743627004406" providerId="LiveId" clId="{7A728C9E-955F-4798-8429-9FDAD378C401}" dt="2023-06-21T08:20:40.814" v="626" actId="478"/>
-          <ac:spMkLst>
-            <pc:docMk/>
-            <pc:sldMk cId="3751409535" sldId="277"/>
-            <ac:spMk id="5" creationId="{D96CDA55-70E1-AB4A-A767-A97DCE1861EA}"/>
-          </ac:spMkLst>
-        </pc:spChg>
-        <pc:spChg chg="add del mod">
-          <ac:chgData name="Vitaly Shalem" userId="6204743627004406" providerId="LiveId" clId="{7A728C9E-955F-4798-8429-9FDAD378C401}" dt="2023-06-21T08:20:38.375" v="625" actId="478"/>
-          <ac:spMkLst>
-            <pc:docMk/>
-            <pc:sldMk cId="3751409535" sldId="277"/>
-            <ac:spMk id="6" creationId="{91973928-DD3C-03EB-191E-1C518C80733D}"/>
-          </ac:spMkLst>
-        </pc:spChg>
-        <pc:spChg chg="add mod">
-          <ac:chgData name="Vitaly Shalem" userId="6204743627004406" providerId="LiveId" clId="{7A728C9E-955F-4798-8429-9FDAD378C401}" dt="2023-06-21T08:21:25.365" v="631"/>
-          <ac:spMkLst>
-            <pc:docMk/>
-            <pc:sldMk cId="3751409535" sldId="277"/>
-            <ac:spMk id="7" creationId="{886B81DA-07E8-F521-3388-71AAE671E044}"/>
-          </ac:spMkLst>
-        </pc:spChg>
-        <pc:spChg chg="add mod">
-          <ac:chgData name="Vitaly Shalem" userId="6204743627004406" providerId="LiveId" clId="{7A728C9E-955F-4798-8429-9FDAD378C401}" dt="2023-06-21T08:21:25.365" v="631"/>
-          <ac:spMkLst>
-            <pc:docMk/>
-            <pc:sldMk cId="3751409535" sldId="277"/>
-            <ac:spMk id="8" creationId="{D967EB6D-DB4E-7AF5-9E0C-D59A91445F9E}"/>
-          </ac:spMkLst>
-        </pc:spChg>
-      </pc:sldChg>
-      <pc:sldChg chg="del">
-        <pc:chgData name="Vitaly Shalem" userId="6204743627004406" providerId="LiveId" clId="{7A728C9E-955F-4798-8429-9FDAD378C401}" dt="2023-06-20T22:01:11.752" v="30" actId="47"/>
-        <pc:sldMkLst>
-          <pc:docMk/>
-          <pc:sldMk cId="171951147" sldId="278"/>
-        </pc:sldMkLst>
-      </pc:sldChg>
-      <pc:sldChg chg="addSp delSp modSp new mod setBg modClrScheme chgLayout">
-        <pc:chgData name="Vitaly Shalem" userId="6204743627004406" providerId="LiveId" clId="{7A728C9E-955F-4798-8429-9FDAD378C401}" dt="2023-06-21T05:47:55.784" v="511" actId="207"/>
-        <pc:sldMkLst>
-          <pc:docMk/>
-          <pc:sldMk cId="209697400" sldId="278"/>
-        </pc:sldMkLst>
-        <pc:spChg chg="del mod ord">
-          <ac:chgData name="Vitaly Shalem" userId="6204743627004406" providerId="LiveId" clId="{7A728C9E-955F-4798-8429-9FDAD378C401}" dt="2023-06-21T05:14:09.466" v="157" actId="478"/>
-          <ac:spMkLst>
-            <pc:docMk/>
-            <pc:sldMk cId="209697400" sldId="278"/>
-            <ac:spMk id="2" creationId="{6B3A5EC5-BE42-8336-0ACF-56F0241C80D4}"/>
-          </ac:spMkLst>
-        </pc:spChg>
-        <pc:spChg chg="add del mod ord">
-          <ac:chgData name="Vitaly Shalem" userId="6204743627004406" providerId="LiveId" clId="{7A728C9E-955F-4798-8429-9FDAD378C401}" dt="2023-06-21T05:15:37.479" v="170" actId="478"/>
-          <ac:spMkLst>
-            <pc:docMk/>
-            <pc:sldMk cId="209697400" sldId="278"/>
-            <ac:spMk id="4" creationId="{859340D8-BFF6-185E-7865-B7CAA0C2BDBC}"/>
-          </ac:spMkLst>
-        </pc:spChg>
-        <pc:spChg chg="add del mod ord">
-          <ac:chgData name="Vitaly Shalem" userId="6204743627004406" providerId="LiveId" clId="{7A728C9E-955F-4798-8429-9FDAD378C401}" dt="2023-06-21T05:40:47.613" v="496" actId="478"/>
-          <ac:spMkLst>
-            <pc:docMk/>
-            <pc:sldMk cId="209697400" sldId="278"/>
-            <ac:spMk id="5" creationId="{031F0332-D199-9853-06DF-78C56C31545D}"/>
-          </ac:spMkLst>
-        </pc:spChg>
-        <pc:spChg chg="add del mod ord">
-          <ac:chgData name="Vitaly Shalem" userId="6204743627004406" providerId="LiveId" clId="{7A728C9E-955F-4798-8429-9FDAD378C401}" dt="2023-06-21T05:15:32.781" v="168" actId="700"/>
-          <ac:spMkLst>
-            <pc:docMk/>
-            <pc:sldMk cId="209697400" sldId="278"/>
-            <ac:spMk id="6" creationId="{21CD78AD-6F4E-ADE4-BB76-5B91D0692518}"/>
-          </ac:spMkLst>
-        </pc:spChg>
-        <pc:spChg chg="add del mod ord">
-          <ac:chgData name="Vitaly Shalem" userId="6204743627004406" providerId="LiveId" clId="{7A728C9E-955F-4798-8429-9FDAD378C401}" dt="2023-06-21T05:15:45.110" v="171" actId="700"/>
-          <ac:spMkLst>
-            <pc:docMk/>
-            <pc:sldMk cId="209697400" sldId="278"/>
-            <ac:spMk id="8" creationId="{8C08C043-8902-F2A9-12BA-8A965D7C2421}"/>
-          </ac:spMkLst>
-        </pc:spChg>
-        <pc:spChg chg="add mod ord">
-          <ac:chgData name="Vitaly Shalem" userId="6204743627004406" providerId="LiveId" clId="{7A728C9E-955F-4798-8429-9FDAD378C401}" dt="2023-06-21T05:47:55.784" v="511" actId="207"/>
-          <ac:spMkLst>
-            <pc:docMk/>
-            <pc:sldMk cId="209697400" sldId="278"/>
-            <ac:spMk id="9" creationId="{CC37CF84-C9D3-AB16-97BC-933795D6856F}"/>
-          </ac:spMkLst>
-        </pc:spChg>
-        <pc:spChg chg="add del mod ord">
-          <ac:chgData name="Vitaly Shalem" userId="6204743627004406" providerId="LiveId" clId="{7A728C9E-955F-4798-8429-9FDAD378C401}" dt="2023-06-21T05:15:56.184" v="175" actId="478"/>
-          <ac:spMkLst>
-            <pc:docMk/>
-            <pc:sldMk cId="209697400" sldId="278"/>
-            <ac:spMk id="10" creationId="{98322500-722E-C16D-EB07-49B98C76A148}"/>
-          </ac:spMkLst>
-        </pc:spChg>
-        <pc:spChg chg="add mod">
-          <ac:chgData name="Vitaly Shalem" userId="6204743627004406" providerId="LiveId" clId="{7A728C9E-955F-4798-8429-9FDAD378C401}" dt="2023-06-21T05:41:01.082" v="497"/>
-          <ac:spMkLst>
-            <pc:docMk/>
-            <pc:sldMk cId="209697400" sldId="278"/>
-            <ac:spMk id="11" creationId="{34DB4F19-EEED-4A35-19BF-73A8BC0165DE}"/>
-          </ac:spMkLst>
-        </pc:spChg>
-        <pc:picChg chg="add del">
-          <ac:chgData name="Vitaly Shalem" userId="6204743627004406" providerId="LiveId" clId="{7A728C9E-955F-4798-8429-9FDAD378C401}" dt="2023-06-21T05:07:31.847" v="33" actId="21"/>
-          <ac:picMkLst>
-            <pc:docMk/>
-            <pc:sldMk cId="209697400" sldId="278"/>
-            <ac:picMk id="3" creationId="{F3701EDB-55B2-D2F4-F47E-38CAC188D3D2}"/>
-          </ac:picMkLst>
-        </pc:picChg>
-      </pc:sldChg>
-      <pc:sldChg chg="add del setBg">
-        <pc:chgData name="Vitaly Shalem" userId="6204743627004406" providerId="LiveId" clId="{7A728C9E-955F-4798-8429-9FDAD378C401}" dt="2023-06-20T22:00:54.182" v="29"/>
-        <pc:sldMkLst>
-          <pc:docMk/>
-          <pc:sldMk cId="2984915166" sldId="278"/>
-        </pc:sldMkLst>
-      </pc:sldChg>
-      <pc:sldChg chg="addSp delSp add mod setBg">
-        <pc:chgData name="Vitaly Shalem" userId="6204743627004406" providerId="LiveId" clId="{7A728C9E-955F-4798-8429-9FDAD378C401}" dt="2023-06-21T08:31:01.083" v="643" actId="478"/>
-        <pc:sldMkLst>
-          <pc:docMk/>
-          <pc:sldMk cId="2792870632" sldId="279"/>
-        </pc:sldMkLst>
-        <pc:spChg chg="del">
-          <ac:chgData name="Vitaly Shalem" userId="6204743627004406" providerId="LiveId" clId="{7A728C9E-955F-4798-8429-9FDAD378C401}" dt="2023-06-21T08:31:01.083" v="643" actId="478"/>
-          <ac:spMkLst>
-            <pc:docMk/>
-            <pc:sldMk cId="2792870632" sldId="279"/>
-            <ac:spMk id="2" creationId="{5BC68779-07CF-B47B-B478-CF25EEAC0C9D}"/>
-          </ac:spMkLst>
-        </pc:spChg>
-        <pc:picChg chg="add del">
-          <ac:chgData name="Vitaly Shalem" userId="6204743627004406" providerId="LiveId" clId="{7A728C9E-955F-4798-8429-9FDAD378C401}" dt="2023-06-21T05:19:04.345" v="218" actId="21"/>
-          <ac:picMkLst>
-            <pc:docMk/>
-            <pc:sldMk cId="2792870632" sldId="279"/>
-            <ac:picMk id="5" creationId="{01A70EAC-B3F3-DF1E-AC20-7A85F7D29245}"/>
-          </ac:picMkLst>
-        </pc:picChg>
-      </pc:sldChg>
-      <pc:sldChg chg="addSp delSp add mod setBg">
-        <pc:chgData name="Vitaly Shalem" userId="6204743627004406" providerId="LiveId" clId="{7A728C9E-955F-4798-8429-9FDAD378C401}" dt="2023-06-21T08:31:05.667" v="644" actId="478"/>
-        <pc:sldMkLst>
-          <pc:docMk/>
-          <pc:sldMk cId="1503276661" sldId="280"/>
-        </pc:sldMkLst>
-        <pc:spChg chg="del">
-          <ac:chgData name="Vitaly Shalem" userId="6204743627004406" providerId="LiveId" clId="{7A728C9E-955F-4798-8429-9FDAD378C401}" dt="2023-06-21T08:31:05.667" v="644" actId="478"/>
-          <ac:spMkLst>
-            <pc:docMk/>
-            <pc:sldMk cId="1503276661" sldId="280"/>
-            <ac:spMk id="2" creationId="{5BC68779-07CF-B47B-B478-CF25EEAC0C9D}"/>
-          </ac:spMkLst>
-        </pc:spChg>
-        <pc:picChg chg="add del">
-          <ac:chgData name="Vitaly Shalem" userId="6204743627004406" providerId="LiveId" clId="{7A728C9E-955F-4798-8429-9FDAD378C401}" dt="2023-06-21T05:19:31.723" v="223" actId="21"/>
-          <ac:picMkLst>
-            <pc:docMk/>
-            <pc:sldMk cId="1503276661" sldId="280"/>
-            <ac:picMk id="5" creationId="{FDEE0061-25E6-2C44-7CA2-8012C2F47311}"/>
-          </ac:picMkLst>
-        </pc:picChg>
-      </pc:sldChg>
-      <pc:sldChg chg="addSp delSp modSp new mod setBg">
-        <pc:chgData name="Vitaly Shalem" userId="6204743627004406" providerId="LiveId" clId="{7A728C9E-955F-4798-8429-9FDAD378C401}" dt="2023-06-21T08:32:47.803" v="663" actId="14100"/>
-        <pc:sldMkLst>
-          <pc:docMk/>
-          <pc:sldMk cId="3631279648" sldId="281"/>
-        </pc:sldMkLst>
-        <pc:spChg chg="del mod">
-          <ac:chgData name="Vitaly Shalem" userId="6204743627004406" providerId="LiveId" clId="{7A728C9E-955F-4798-8429-9FDAD378C401}" dt="2023-06-21T08:32:12.024" v="649" actId="478"/>
-          <ac:spMkLst>
-            <pc:docMk/>
-            <pc:sldMk cId="3631279648" sldId="281"/>
-            <ac:spMk id="2" creationId="{299CB837-3E9C-D784-A5E5-2649B55115B3}"/>
-          </ac:spMkLst>
-        </pc:spChg>
-        <pc:spChg chg="add mod">
-          <ac:chgData name="Vitaly Shalem" userId="6204743627004406" providerId="LiveId" clId="{7A728C9E-955F-4798-8429-9FDAD378C401}" dt="2023-06-21T08:32:13.315" v="650"/>
-          <ac:spMkLst>
-            <pc:docMk/>
-            <pc:sldMk cId="3631279648" sldId="281"/>
-            <ac:spMk id="3" creationId="{AE9BB983-F645-B4E2-6C1A-C8BCB0E543A2}"/>
-          </ac:spMkLst>
-        </pc:spChg>
-        <pc:spChg chg="add mod">
-          <ac:chgData name="Vitaly Shalem" userId="6204743627004406" providerId="LiveId" clId="{7A728C9E-955F-4798-8429-9FDAD378C401}" dt="2023-06-21T08:32:47.803" v="663" actId="14100"/>
-          <ac:spMkLst>
-            <pc:docMk/>
-            <pc:sldMk cId="3631279648" sldId="281"/>
-            <ac:spMk id="4" creationId="{00CE37CC-19B9-5405-ED19-D6D79B056D40}"/>
-          </ac:spMkLst>
-        </pc:spChg>
-        <pc:picChg chg="add del">
-          <ac:chgData name="Vitaly Shalem" userId="6204743627004406" providerId="LiveId" clId="{7A728C9E-955F-4798-8429-9FDAD378C401}" dt="2023-06-21T05:51:05.085" v="515" actId="21"/>
-          <ac:picMkLst>
-            <pc:docMk/>
-            <pc:sldMk cId="3631279648" sldId="281"/>
-            <ac:picMk id="3" creationId="{3E5C4BCB-693C-7257-E8F0-3E6A77DA4169}"/>
-          </ac:picMkLst>
-        </pc:picChg>
       </pc:sldChg>
     </pc:docChg>
   </pc:docChgLst>
@@ -1807,7 +1807,7 @@
           <a:p>
             <a:fld id="{3A3E5F92-3B5F-4896-A548-44E8A7ADCD45}" type="datetime8">
               <a:rPr lang="en-BE" smtClean="0"/>
-              <a:t>11/07/2023 10:35</a:t>
+              <a:t>11/07/2023 12:18</a:t>
             </a:fld>
             <a:endParaRPr lang="en-BE"/>
           </a:p>
@@ -2007,7 +2007,7 @@
           <a:p>
             <a:fld id="{CE02C9C0-2C7F-4CB9-BEE4-E7F8ECE1DFEE}" type="datetime8">
               <a:rPr lang="en-BE" smtClean="0"/>
-              <a:t>11/07/2023 10:35</a:t>
+              <a:t>11/07/2023 12:18</a:t>
             </a:fld>
             <a:endParaRPr lang="en-BE"/>
           </a:p>
@@ -2217,7 +2217,7 @@
           <a:p>
             <a:fld id="{8BC7D0ED-DDA8-43D2-8D61-1E6CECAE74DB}" type="datetime8">
               <a:rPr lang="en-BE" smtClean="0"/>
-              <a:t>11/07/2023 10:35</a:t>
+              <a:t>11/07/2023 12:18</a:t>
             </a:fld>
             <a:endParaRPr lang="en-BE"/>
           </a:p>
@@ -2417,7 +2417,7 @@
           <a:p>
             <a:fld id="{1B66BC60-3275-4E3F-AE3E-41BE5EBF165B}" type="datetime8">
               <a:rPr lang="en-BE" smtClean="0"/>
-              <a:t>11/07/2023 10:35</a:t>
+              <a:t>11/07/2023 12:18</a:t>
             </a:fld>
             <a:endParaRPr lang="en-BE"/>
           </a:p>
@@ -2693,7 +2693,7 @@
           <a:p>
             <a:fld id="{C33DBC0A-F5C4-44C9-B372-0E90AF304FC2}" type="datetime8">
               <a:rPr lang="en-BE" smtClean="0"/>
-              <a:t>11/07/2023 10:35</a:t>
+              <a:t>11/07/2023 12:18</a:t>
             </a:fld>
             <a:endParaRPr lang="en-BE"/>
           </a:p>
@@ -2961,7 +2961,7 @@
           <a:p>
             <a:fld id="{416A31C1-DA76-4D09-9137-31C5C2B1CE8D}" type="datetime8">
               <a:rPr lang="en-BE" smtClean="0"/>
-              <a:t>11/07/2023 10:35</a:t>
+              <a:t>11/07/2023 12:18</a:t>
             </a:fld>
             <a:endParaRPr lang="en-BE"/>
           </a:p>
@@ -3376,7 +3376,7 @@
           <a:p>
             <a:fld id="{4C1F5C20-970A-477C-939C-788885007771}" type="datetime8">
               <a:rPr lang="en-BE" smtClean="0"/>
-              <a:t>11/07/2023 10:35</a:t>
+              <a:t>11/07/2023 12:18</a:t>
             </a:fld>
             <a:endParaRPr lang="en-BE"/>
           </a:p>
@@ -3518,7 +3518,7 @@
           <a:p>
             <a:fld id="{4D725E21-802A-493E-A0F8-68BB845CCCAE}" type="datetime8">
               <a:rPr lang="en-BE" smtClean="0"/>
-              <a:t>11/07/2023 10:35</a:t>
+              <a:t>11/07/2023 12:18</a:t>
             </a:fld>
             <a:endParaRPr lang="en-BE"/>
           </a:p>
@@ -3631,7 +3631,7 @@
           <a:p>
             <a:fld id="{A5731415-03FD-4E5F-8951-DDA776DF7EF7}" type="datetime8">
               <a:rPr lang="en-BE" smtClean="0"/>
-              <a:t>11/07/2023 10:35</a:t>
+              <a:t>11/07/2023 12:18</a:t>
             </a:fld>
             <a:endParaRPr lang="en-BE"/>
           </a:p>
@@ -3944,7 +3944,7 @@
           <a:p>
             <a:fld id="{E33E6410-8873-43F2-99EB-5857EAD8B7EC}" type="datetime8">
               <a:rPr lang="en-BE" smtClean="0"/>
-              <a:t>11/07/2023 10:35</a:t>
+              <a:t>11/07/2023 12:18</a:t>
             </a:fld>
             <a:endParaRPr lang="en-BE"/>
           </a:p>
@@ -4233,7 +4233,7 @@
           <a:p>
             <a:fld id="{725EC132-D24E-4F05-A232-9A629FBC28BA}" type="datetime8">
               <a:rPr lang="en-BE" smtClean="0"/>
-              <a:t>11/07/2023 10:35</a:t>
+              <a:t>11/07/2023 12:18</a:t>
             </a:fld>
             <a:endParaRPr lang="en-BE"/>
           </a:p>
@@ -4476,7 +4476,7 @@
           <a:p>
             <a:fld id="{D046FFB0-EB01-4F26-BED6-E90EBC9FCF5B}" type="datetime8">
               <a:rPr lang="en-BE" smtClean="0"/>
-              <a:t>11/07/2023 10:35</a:t>
+              <a:t>11/07/2023 12:18</a:t>
             </a:fld>
             <a:endParaRPr lang="en-BE"/>
           </a:p>

--- a/doc/20230711_ImmoEliza_DataAnalysis_pres.pptx
+++ b/doc/20230711_ImmoEliza_DataAnalysis_pres.pptx
@@ -5,14 +5,15 @@
     <p:sldMasterId id="2147483648" r:id="rId1"/>
   </p:sldMasterIdLst>
   <p:notesMasterIdLst>
-    <p:notesMasterId r:id="rId7"/>
+    <p:notesMasterId r:id="rId8"/>
   </p:notesMasterIdLst>
   <p:sldIdLst>
     <p:sldId id="269" r:id="rId2"/>
     <p:sldId id="275" r:id="rId3"/>
     <p:sldId id="276" r:id="rId4"/>
     <p:sldId id="277" r:id="rId5"/>
-    <p:sldId id="273" r:id="rId6"/>
+    <p:sldId id="278" r:id="rId6"/>
+    <p:sldId id="273" r:id="rId7"/>
   </p:sldIdLst>
   <p:sldSz cx="12192000" cy="6858000"/>
   <p:notesSz cx="6858000" cy="9144000"/>
@@ -1807,7 +1808,7 @@
           <a:p>
             <a:fld id="{3A3E5F92-3B5F-4896-A548-44E8A7ADCD45}" type="datetime8">
               <a:rPr lang="en-BE" smtClean="0"/>
-              <a:t>11/07/2023 12:18</a:t>
+              <a:t>11/07/2023 18:21</a:t>
             </a:fld>
             <a:endParaRPr lang="en-BE"/>
           </a:p>
@@ -2007,7 +2008,7 @@
           <a:p>
             <a:fld id="{CE02C9C0-2C7F-4CB9-BEE4-E7F8ECE1DFEE}" type="datetime8">
               <a:rPr lang="en-BE" smtClean="0"/>
-              <a:t>11/07/2023 12:18</a:t>
+              <a:t>11/07/2023 18:21</a:t>
             </a:fld>
             <a:endParaRPr lang="en-BE"/>
           </a:p>
@@ -2217,7 +2218,7 @@
           <a:p>
             <a:fld id="{8BC7D0ED-DDA8-43D2-8D61-1E6CECAE74DB}" type="datetime8">
               <a:rPr lang="en-BE" smtClean="0"/>
-              <a:t>11/07/2023 12:18</a:t>
+              <a:t>11/07/2023 18:21</a:t>
             </a:fld>
             <a:endParaRPr lang="en-BE"/>
           </a:p>
@@ -2417,7 +2418,7 @@
           <a:p>
             <a:fld id="{1B66BC60-3275-4E3F-AE3E-41BE5EBF165B}" type="datetime8">
               <a:rPr lang="en-BE" smtClean="0"/>
-              <a:t>11/07/2023 12:18</a:t>
+              <a:t>11/07/2023 18:21</a:t>
             </a:fld>
             <a:endParaRPr lang="en-BE"/>
           </a:p>
@@ -2693,7 +2694,7 @@
           <a:p>
             <a:fld id="{C33DBC0A-F5C4-44C9-B372-0E90AF304FC2}" type="datetime8">
               <a:rPr lang="en-BE" smtClean="0"/>
-              <a:t>11/07/2023 12:18</a:t>
+              <a:t>11/07/2023 18:21</a:t>
             </a:fld>
             <a:endParaRPr lang="en-BE"/>
           </a:p>
@@ -2961,7 +2962,7 @@
           <a:p>
             <a:fld id="{416A31C1-DA76-4D09-9137-31C5C2B1CE8D}" type="datetime8">
               <a:rPr lang="en-BE" smtClean="0"/>
-              <a:t>11/07/2023 12:18</a:t>
+              <a:t>11/07/2023 18:21</a:t>
             </a:fld>
             <a:endParaRPr lang="en-BE"/>
           </a:p>
@@ -3376,7 +3377,7 @@
           <a:p>
             <a:fld id="{4C1F5C20-970A-477C-939C-788885007771}" type="datetime8">
               <a:rPr lang="en-BE" smtClean="0"/>
-              <a:t>11/07/2023 12:18</a:t>
+              <a:t>11/07/2023 18:21</a:t>
             </a:fld>
             <a:endParaRPr lang="en-BE"/>
           </a:p>
@@ -3518,7 +3519,7 @@
           <a:p>
             <a:fld id="{4D725E21-802A-493E-A0F8-68BB845CCCAE}" type="datetime8">
               <a:rPr lang="en-BE" smtClean="0"/>
-              <a:t>11/07/2023 12:18</a:t>
+              <a:t>11/07/2023 18:21</a:t>
             </a:fld>
             <a:endParaRPr lang="en-BE"/>
           </a:p>
@@ -3631,7 +3632,7 @@
           <a:p>
             <a:fld id="{A5731415-03FD-4E5F-8951-DDA776DF7EF7}" type="datetime8">
               <a:rPr lang="en-BE" smtClean="0"/>
-              <a:t>11/07/2023 12:18</a:t>
+              <a:t>11/07/2023 18:21</a:t>
             </a:fld>
             <a:endParaRPr lang="en-BE"/>
           </a:p>
@@ -3944,7 +3945,7 @@
           <a:p>
             <a:fld id="{E33E6410-8873-43F2-99EB-5857EAD8B7EC}" type="datetime8">
               <a:rPr lang="en-BE" smtClean="0"/>
-              <a:t>11/07/2023 12:18</a:t>
+              <a:t>11/07/2023 18:21</a:t>
             </a:fld>
             <a:endParaRPr lang="en-BE"/>
           </a:p>
@@ -4233,7 +4234,7 @@
           <a:p>
             <a:fld id="{725EC132-D24E-4F05-A232-9A629FBC28BA}" type="datetime8">
               <a:rPr lang="en-BE" smtClean="0"/>
-              <a:t>11/07/2023 12:18</a:t>
+              <a:t>11/07/2023 18:21</a:t>
             </a:fld>
             <a:endParaRPr lang="en-BE"/>
           </a:p>
@@ -4476,7 +4477,7 @@
           <a:p>
             <a:fld id="{D046FFB0-EB01-4F26-BED6-E90EBC9FCF5B}" type="datetime8">
               <a:rPr lang="en-BE" smtClean="0"/>
-              <a:t>11/07/2023 12:18</a:t>
+              <a:t>11/07/2023 18:21</a:t>
             </a:fld>
             <a:endParaRPr lang="en-BE"/>
           </a:p>
@@ -5593,6 +5594,18 @@
                   </a:schemeClr>
                 </a:solidFill>
               </a:rPr>
+              <a:t>Can it be really significant?</a:t>
+            </a:r>
+          </a:p>
+          <a:p>
+            <a:r>
+              <a:rPr lang="en-US" sz="2400" dirty="0">
+                <a:solidFill>
+                  <a:schemeClr val="bg2">
+                    <a:lumMod val="25000"/>
+                  </a:schemeClr>
+                </a:solidFill>
+              </a:rPr>
               <a:t>Can data help to prove this hypothesis?</a:t>
             </a:r>
             <a:endParaRPr lang="en-BE" sz="2400" dirty="0">
@@ -5633,8 +5646,8 @@
         </p:blipFill>
         <p:spPr>
           <a:xfrm>
-            <a:off x="7225012" y="1163308"/>
-            <a:ext cx="4693636" cy="5013656"/>
+            <a:off x="6787055" y="1096304"/>
+            <a:ext cx="4976477" cy="5138957"/>
           </a:xfrm>
           <a:prstGeom prst="rect">
             <a:avLst/>
@@ -6138,6 +6151,479 @@
       </p:grpSpPr>
       <p:sp>
         <p:nvSpPr>
+          <p:cNvPr id="3" name="Slide Number Placeholder 1">
+            <a:extLst>
+              <a:ext uri="{FF2B5EF4-FFF2-40B4-BE49-F238E27FC236}">
+                <a16:creationId xmlns:a16="http://schemas.microsoft.com/office/drawing/2014/main" id="{3C3DDF1E-6212-E857-8814-B341D2EE998C}"/>
+              </a:ext>
+            </a:extLst>
+          </p:cNvPr>
+          <p:cNvSpPr>
+            <a:spLocks noGrp="1"/>
+          </p:cNvSpPr>
+          <p:nvPr>
+            <p:ph type="sldNum" sz="quarter" idx="12"/>
+          </p:nvPr>
+        </p:nvSpPr>
+        <p:spPr>
+          <a:xfrm>
+            <a:off x="11307816" y="6368176"/>
+            <a:ext cx="756746" cy="359760"/>
+          </a:xfrm>
+        </p:spPr>
+        <p:txBody>
+          <a:bodyPr/>
+          <a:lstStyle/>
+          <a:p>
+            <a:pPr marL="0" marR="0" lvl="0" indent="0" algn="ctr" defTabSz="914400" rtl="0" eaLnBrk="1" fontAlgn="auto" latinLnBrk="0" hangingPunct="1">
+              <a:lnSpc>
+                <a:spcPct val="100000"/>
+              </a:lnSpc>
+              <a:spcBef>
+                <a:spcPts val="0"/>
+              </a:spcBef>
+              <a:spcAft>
+                <a:spcPts val="0"/>
+              </a:spcAft>
+              <a:buClrTx/>
+              <a:buSzTx/>
+              <a:buFontTx/>
+              <a:buNone/>
+              <a:tabLst/>
+              <a:defRPr/>
+            </a:pPr>
+            <a:fld id="{89AD5A1C-A7E3-484B-8C88-95C064AC22E4}" type="slidenum">
+              <a:rPr kumimoji="0" lang="en-BE" sz="2000" b="1" i="0" u="none" strike="noStrike" kern="1200" cap="none" spc="0" normalizeH="0" baseline="0" noProof="0" smtClean="0">
+                <a:ln>
+                  <a:noFill/>
+                </a:ln>
+                <a:solidFill>
+                  <a:srgbClr val="288284"/>
+                </a:solidFill>
+                <a:effectLst/>
+                <a:uLnTx/>
+                <a:uFillTx/>
+                <a:latin typeface="Calibri" panose="020F0502020204030204"/>
+                <a:ea typeface="+mn-ea"/>
+                <a:cs typeface="+mn-cs"/>
+              </a:rPr>
+              <a:pPr marL="0" marR="0" lvl="0" indent="0" algn="ctr" defTabSz="914400" rtl="0" eaLnBrk="1" fontAlgn="auto" latinLnBrk="0" hangingPunct="1">
+                <a:lnSpc>
+                  <a:spcPct val="100000"/>
+                </a:lnSpc>
+                <a:spcBef>
+                  <a:spcPts val="0"/>
+                </a:spcBef>
+                <a:spcAft>
+                  <a:spcPts val="0"/>
+                </a:spcAft>
+                <a:buClrTx/>
+                <a:buSzTx/>
+                <a:buFontTx/>
+                <a:buNone/>
+                <a:tabLst/>
+                <a:defRPr/>
+              </a:pPr>
+              <a:t>5</a:t>
+            </a:fld>
+            <a:endParaRPr kumimoji="0" lang="en-BE" sz="2000" b="1" i="0" u="none" strike="noStrike" kern="1200" cap="none" spc="0" normalizeH="0" baseline="0" noProof="0" dirty="0">
+              <a:ln>
+                <a:noFill/>
+              </a:ln>
+              <a:solidFill>
+                <a:srgbClr val="288284"/>
+              </a:solidFill>
+              <a:effectLst/>
+              <a:uLnTx/>
+              <a:uFillTx/>
+              <a:latin typeface="Calibri" panose="020F0502020204030204"/>
+              <a:ea typeface="+mn-ea"/>
+              <a:cs typeface="+mn-cs"/>
+            </a:endParaRPr>
+          </a:p>
+        </p:txBody>
+      </p:sp>
+      <p:sp>
+        <p:nvSpPr>
+          <p:cNvPr id="7" name="Title 6">
+            <a:extLst>
+              <a:ext uri="{FF2B5EF4-FFF2-40B4-BE49-F238E27FC236}">
+                <a16:creationId xmlns:a16="http://schemas.microsoft.com/office/drawing/2014/main" id="{2796D9AB-0532-A7B7-89F0-ADA0EC8C81C8}"/>
+              </a:ext>
+            </a:extLst>
+          </p:cNvPr>
+          <p:cNvSpPr txBox="1">
+            <a:spLocks/>
+          </p:cNvSpPr>
+          <p:nvPr/>
+        </p:nvSpPr>
+        <p:spPr>
+          <a:xfrm>
+            <a:off x="1303283" y="433552"/>
+            <a:ext cx="10515600" cy="579382"/>
+          </a:xfrm>
+          <a:prstGeom prst="rect">
+            <a:avLst/>
+          </a:prstGeom>
+        </p:spPr>
+        <p:txBody>
+          <a:bodyPr>
+            <a:normAutofit fontScale="92500" lnSpcReduction="10000"/>
+          </a:bodyPr>
+          <a:lstStyle>
+            <a:lvl1pPr algn="l" defTabSz="914400" rtl="0" eaLnBrk="1" latinLnBrk="0" hangingPunct="1">
+              <a:lnSpc>
+                <a:spcPct val="90000"/>
+              </a:lnSpc>
+              <a:spcBef>
+                <a:spcPct val="0"/>
+              </a:spcBef>
+              <a:buNone/>
+              <a:defRPr sz="4400" kern="1200">
+                <a:solidFill>
+                  <a:schemeClr val="tx1"/>
+                </a:solidFill>
+                <a:latin typeface="+mj-lt"/>
+                <a:ea typeface="+mj-ea"/>
+                <a:cs typeface="+mj-cs"/>
+              </a:defRPr>
+            </a:lvl1pPr>
+          </a:lstStyle>
+          <a:p>
+            <a:pPr marL="0" marR="0" lvl="0" indent="0" algn="r" defTabSz="914400" rtl="0" eaLnBrk="1" fontAlgn="auto" latinLnBrk="0" hangingPunct="1">
+              <a:lnSpc>
+                <a:spcPct val="90000"/>
+              </a:lnSpc>
+              <a:spcBef>
+                <a:spcPct val="0"/>
+              </a:spcBef>
+              <a:spcAft>
+                <a:spcPts val="0"/>
+              </a:spcAft>
+              <a:buClrTx/>
+              <a:buSzTx/>
+              <a:buFontTx/>
+              <a:buNone/>
+              <a:tabLst/>
+              <a:defRPr/>
+            </a:pPr>
+            <a:r>
+              <a:rPr kumimoji="0" lang="en-US" sz="4000" b="1" i="0" u="none" strike="noStrike" kern="1200" cap="none" spc="0" normalizeH="0" baseline="0" noProof="0" dirty="0">
+                <a:ln>
+                  <a:noFill/>
+                </a:ln>
+                <a:solidFill>
+                  <a:srgbClr val="288284"/>
+                </a:solidFill>
+                <a:effectLst/>
+                <a:uLnTx/>
+                <a:uFillTx/>
+                <a:latin typeface="Calibri Light" panose="020F0302020204030204"/>
+                <a:ea typeface="+mj-ea"/>
+                <a:cs typeface="+mj-cs"/>
+              </a:rPr>
+              <a:t>Conclusion</a:t>
+            </a:r>
+            <a:endParaRPr kumimoji="0" lang="en-BE" sz="4000" b="1" i="0" u="none" strike="noStrike" kern="1200" cap="none" spc="0" normalizeH="0" baseline="0" noProof="0" dirty="0">
+              <a:ln>
+                <a:noFill/>
+              </a:ln>
+              <a:solidFill>
+                <a:srgbClr val="288284"/>
+              </a:solidFill>
+              <a:effectLst/>
+              <a:uLnTx/>
+              <a:uFillTx/>
+              <a:latin typeface="Calibri Light" panose="020F0302020204030204"/>
+              <a:ea typeface="+mj-ea"/>
+              <a:cs typeface="+mj-cs"/>
+            </a:endParaRPr>
+          </a:p>
+        </p:txBody>
+      </p:sp>
+      <p:sp>
+        <p:nvSpPr>
+          <p:cNvPr id="8" name="Content Placeholder 7">
+            <a:extLst>
+              <a:ext uri="{FF2B5EF4-FFF2-40B4-BE49-F238E27FC236}">
+                <a16:creationId xmlns:a16="http://schemas.microsoft.com/office/drawing/2014/main" id="{9969D63C-D951-D12F-655E-3E30A1020985}"/>
+              </a:ext>
+            </a:extLst>
+          </p:cNvPr>
+          <p:cNvSpPr txBox="1">
+            <a:spLocks/>
+          </p:cNvSpPr>
+          <p:nvPr/>
+        </p:nvSpPr>
+        <p:spPr>
+          <a:xfrm>
+            <a:off x="298232" y="1277008"/>
+            <a:ext cx="6654362" cy="4899956"/>
+          </a:xfrm>
+          <a:prstGeom prst="rect">
+            <a:avLst/>
+          </a:prstGeom>
+        </p:spPr>
+        <p:txBody>
+          <a:bodyPr/>
+          <a:lstStyle>
+            <a:lvl1pPr marL="228600" indent="-228600" algn="l" defTabSz="914400" rtl="0" eaLnBrk="1" latinLnBrk="0" hangingPunct="1">
+              <a:lnSpc>
+                <a:spcPct val="90000"/>
+              </a:lnSpc>
+              <a:spcBef>
+                <a:spcPts val="1000"/>
+              </a:spcBef>
+              <a:buFont typeface="Arial" panose="020B0604020202020204" pitchFamily="34" charset="0"/>
+              <a:buChar char="•"/>
+              <a:defRPr sz="2800" kern="1200">
+                <a:solidFill>
+                  <a:schemeClr val="tx1"/>
+                </a:solidFill>
+                <a:latin typeface="+mn-lt"/>
+                <a:ea typeface="+mn-ea"/>
+                <a:cs typeface="+mn-cs"/>
+              </a:defRPr>
+            </a:lvl1pPr>
+            <a:lvl2pPr marL="685800" indent="-228600" algn="l" defTabSz="914400" rtl="0" eaLnBrk="1" latinLnBrk="0" hangingPunct="1">
+              <a:lnSpc>
+                <a:spcPct val="90000"/>
+              </a:lnSpc>
+              <a:spcBef>
+                <a:spcPts val="500"/>
+              </a:spcBef>
+              <a:buFont typeface="Arial" panose="020B0604020202020204" pitchFamily="34" charset="0"/>
+              <a:buChar char="•"/>
+              <a:defRPr sz="2400" kern="1200">
+                <a:solidFill>
+                  <a:schemeClr val="tx1"/>
+                </a:solidFill>
+                <a:latin typeface="+mn-lt"/>
+                <a:ea typeface="+mn-ea"/>
+                <a:cs typeface="+mn-cs"/>
+              </a:defRPr>
+            </a:lvl2pPr>
+            <a:lvl3pPr marL="1143000" indent="-228600" algn="l" defTabSz="914400" rtl="0" eaLnBrk="1" latinLnBrk="0" hangingPunct="1">
+              <a:lnSpc>
+                <a:spcPct val="90000"/>
+              </a:lnSpc>
+              <a:spcBef>
+                <a:spcPts val="500"/>
+              </a:spcBef>
+              <a:buFont typeface="Arial" panose="020B0604020202020204" pitchFamily="34" charset="0"/>
+              <a:buChar char="•"/>
+              <a:defRPr sz="2000" kern="1200">
+                <a:solidFill>
+                  <a:schemeClr val="tx1"/>
+                </a:solidFill>
+                <a:latin typeface="+mn-lt"/>
+                <a:ea typeface="+mn-ea"/>
+                <a:cs typeface="+mn-cs"/>
+              </a:defRPr>
+            </a:lvl3pPr>
+            <a:lvl4pPr marL="1600200" indent="-228600" algn="l" defTabSz="914400" rtl="0" eaLnBrk="1" latinLnBrk="0" hangingPunct="1">
+              <a:lnSpc>
+                <a:spcPct val="90000"/>
+              </a:lnSpc>
+              <a:spcBef>
+                <a:spcPts val="500"/>
+              </a:spcBef>
+              <a:buFont typeface="Arial" panose="020B0604020202020204" pitchFamily="34" charset="0"/>
+              <a:buChar char="•"/>
+              <a:defRPr sz="1800" kern="1200">
+                <a:solidFill>
+                  <a:schemeClr val="tx1"/>
+                </a:solidFill>
+                <a:latin typeface="+mn-lt"/>
+                <a:ea typeface="+mn-ea"/>
+                <a:cs typeface="+mn-cs"/>
+              </a:defRPr>
+            </a:lvl4pPr>
+            <a:lvl5pPr marL="2057400" indent="-228600" algn="l" defTabSz="914400" rtl="0" eaLnBrk="1" latinLnBrk="0" hangingPunct="1">
+              <a:lnSpc>
+                <a:spcPct val="90000"/>
+              </a:lnSpc>
+              <a:spcBef>
+                <a:spcPts val="500"/>
+              </a:spcBef>
+              <a:buFont typeface="Arial" panose="020B0604020202020204" pitchFamily="34" charset="0"/>
+              <a:buChar char="•"/>
+              <a:defRPr sz="1800" kern="1200">
+                <a:solidFill>
+                  <a:schemeClr val="tx1"/>
+                </a:solidFill>
+                <a:latin typeface="+mn-lt"/>
+                <a:ea typeface="+mn-ea"/>
+                <a:cs typeface="+mn-cs"/>
+              </a:defRPr>
+            </a:lvl5pPr>
+            <a:lvl6pPr marL="2514600" indent="-228600" algn="l" defTabSz="914400" rtl="0" eaLnBrk="1" latinLnBrk="0" hangingPunct="1">
+              <a:lnSpc>
+                <a:spcPct val="90000"/>
+              </a:lnSpc>
+              <a:spcBef>
+                <a:spcPts val="500"/>
+              </a:spcBef>
+              <a:buFont typeface="Arial" panose="020B0604020202020204" pitchFamily="34" charset="0"/>
+              <a:buChar char="•"/>
+              <a:defRPr sz="1800" kern="1200">
+                <a:solidFill>
+                  <a:schemeClr val="tx1"/>
+                </a:solidFill>
+                <a:latin typeface="+mn-lt"/>
+                <a:ea typeface="+mn-ea"/>
+                <a:cs typeface="+mn-cs"/>
+              </a:defRPr>
+            </a:lvl6pPr>
+            <a:lvl7pPr marL="2971800" indent="-228600" algn="l" defTabSz="914400" rtl="0" eaLnBrk="1" latinLnBrk="0" hangingPunct="1">
+              <a:lnSpc>
+                <a:spcPct val="90000"/>
+              </a:lnSpc>
+              <a:spcBef>
+                <a:spcPts val="500"/>
+              </a:spcBef>
+              <a:buFont typeface="Arial" panose="020B0604020202020204" pitchFamily="34" charset="0"/>
+              <a:buChar char="•"/>
+              <a:defRPr sz="1800" kern="1200">
+                <a:solidFill>
+                  <a:schemeClr val="tx1"/>
+                </a:solidFill>
+                <a:latin typeface="+mn-lt"/>
+                <a:ea typeface="+mn-ea"/>
+                <a:cs typeface="+mn-cs"/>
+              </a:defRPr>
+            </a:lvl7pPr>
+            <a:lvl8pPr marL="3429000" indent="-228600" algn="l" defTabSz="914400" rtl="0" eaLnBrk="1" latinLnBrk="0" hangingPunct="1">
+              <a:lnSpc>
+                <a:spcPct val="90000"/>
+              </a:lnSpc>
+              <a:spcBef>
+                <a:spcPts val="500"/>
+              </a:spcBef>
+              <a:buFont typeface="Arial" panose="020B0604020202020204" pitchFamily="34" charset="0"/>
+              <a:buChar char="•"/>
+              <a:defRPr sz="1800" kern="1200">
+                <a:solidFill>
+                  <a:schemeClr val="tx1"/>
+                </a:solidFill>
+                <a:latin typeface="+mn-lt"/>
+                <a:ea typeface="+mn-ea"/>
+                <a:cs typeface="+mn-cs"/>
+              </a:defRPr>
+            </a:lvl8pPr>
+            <a:lvl9pPr marL="3886200" indent="-228600" algn="l" defTabSz="914400" rtl="0" eaLnBrk="1" latinLnBrk="0" hangingPunct="1">
+              <a:lnSpc>
+                <a:spcPct val="90000"/>
+              </a:lnSpc>
+              <a:spcBef>
+                <a:spcPts val="500"/>
+              </a:spcBef>
+              <a:buFont typeface="Arial" panose="020B0604020202020204" pitchFamily="34" charset="0"/>
+              <a:buChar char="•"/>
+              <a:defRPr sz="1800" kern="1200">
+                <a:solidFill>
+                  <a:schemeClr val="tx1"/>
+                </a:solidFill>
+                <a:latin typeface="+mn-lt"/>
+                <a:ea typeface="+mn-ea"/>
+                <a:cs typeface="+mn-cs"/>
+              </a:defRPr>
+            </a:lvl9pPr>
+          </a:lstStyle>
+          <a:p>
+            <a:pPr marL="228600" marR="0" lvl="0" indent="-228600" algn="l" defTabSz="914400" rtl="0" eaLnBrk="1" fontAlgn="auto" latinLnBrk="0" hangingPunct="1">
+              <a:lnSpc>
+                <a:spcPct val="90000"/>
+              </a:lnSpc>
+              <a:spcBef>
+                <a:spcPts val="1000"/>
+              </a:spcBef>
+              <a:spcAft>
+                <a:spcPts val="0"/>
+              </a:spcAft>
+              <a:buClrTx/>
+              <a:buSzTx/>
+              <a:buFont typeface="Arial" panose="020B0604020202020204" pitchFamily="34" charset="0"/>
+              <a:buChar char="•"/>
+              <a:tabLst/>
+              <a:defRPr/>
+            </a:pPr>
+            <a:r>
+              <a:rPr lang="en-US" sz="2400" dirty="0">
+                <a:solidFill>
+                  <a:srgbClr val="E7E6E6">
+                    <a:lumMod val="25000"/>
+                  </a:srgbClr>
+                </a:solidFill>
+                <a:latin typeface="Calibri" panose="020F0502020204030204"/>
+              </a:rPr>
+              <a:t>xxx</a:t>
+            </a:r>
+            <a:endParaRPr kumimoji="0" lang="en-BE" sz="2400" b="0" i="0" u="none" strike="noStrike" kern="1200" cap="none" spc="0" normalizeH="0" baseline="0" noProof="0" dirty="0">
+              <a:ln>
+                <a:noFill/>
+              </a:ln>
+              <a:solidFill>
+                <a:srgbClr val="E7E6E6">
+                  <a:lumMod val="25000"/>
+                </a:srgbClr>
+              </a:solidFill>
+              <a:effectLst/>
+              <a:uLnTx/>
+              <a:uFillTx/>
+              <a:latin typeface="Calibri" panose="020F0502020204030204"/>
+              <a:ea typeface="+mn-ea"/>
+              <a:cs typeface="+mn-cs"/>
+            </a:endParaRPr>
+          </a:p>
+        </p:txBody>
+      </p:sp>
+    </p:spTree>
+    <p:extLst>
+      <p:ext uri="{BB962C8B-B14F-4D97-AF65-F5344CB8AC3E}">
+        <p14:creationId xmlns:p14="http://schemas.microsoft.com/office/powerpoint/2010/main" val="3827404082"/>
+      </p:ext>
+    </p:extLst>
+  </p:cSld>
+  <p:clrMapOvr>
+    <a:masterClrMapping/>
+  </p:clrMapOvr>
+</p:sld>
+</file>
+
+<file path=ppt/slides/slide6.xml><?xml version="1.0" encoding="utf-8"?>
+<p:sld xmlns:a="http://schemas.openxmlformats.org/drawingml/2006/main" xmlns:r="http://schemas.openxmlformats.org/officeDocument/2006/relationships" xmlns:p="http://schemas.openxmlformats.org/presentationml/2006/main">
+  <p:cSld>
+    <p:bg>
+      <p:bgPr>
+        <a:blipFill dpi="0" rotWithShape="1">
+          <a:blip r:embed="rId2">
+            <a:lum/>
+          </a:blip>
+          <a:srcRect/>
+          <a:stretch>
+            <a:fillRect/>
+          </a:stretch>
+        </a:blipFill>
+        <a:effectLst/>
+      </p:bgPr>
+    </p:bg>
+    <p:spTree>
+      <p:nvGrpSpPr>
+        <p:cNvPr id="1" name=""/>
+        <p:cNvGrpSpPr/>
+        <p:nvPr/>
+      </p:nvGrpSpPr>
+      <p:grpSpPr>
+        <a:xfrm>
+          <a:off x="0" y="0"/>
+          <a:ext cx="0" cy="0"/>
+          <a:chOff x="0" y="0"/>
+          <a:chExt cx="0" cy="0"/>
+        </a:xfrm>
+      </p:grpSpPr>
+      <p:sp>
+        <p:nvSpPr>
           <p:cNvPr id="2" name="Title 8">
             <a:extLst>
               <a:ext uri="{FF2B5EF4-FFF2-40B4-BE49-F238E27FC236}">
@@ -6234,7 +6720,7 @@
                 </a:solidFill>
               </a:rPr>
               <a:pPr algn="ctr"/>
-              <a:t>5</a:t>
+              <a:t>6</a:t>
             </a:fld>
             <a:endParaRPr lang="en-BE" sz="2000" b="1" dirty="0">
               <a:solidFill>
